--- a/lecture_timeseries/presentation/lecture_timeseries.pptx
+++ b/lecture_timeseries/presentation/lecture_timeseries.pptx
@@ -39,8 +39,8 @@
     <p:sldId id="387" r:id="rId27"/>
     <p:sldId id="388" r:id="rId28"/>
     <p:sldId id="393" r:id="rId29"/>
-    <p:sldId id="389" r:id="rId30"/>
-    <p:sldId id="378" r:id="rId31"/>
+    <p:sldId id="378" r:id="rId30"/>
+    <p:sldId id="389" r:id="rId31"/>
     <p:sldId id="294" r:id="rId32"/>
   </p:sldIdLst>
   <p:sldSz cx="9144000" cy="6858000" type="screen4x3"/>
@@ -241,7 +241,7 @@
           <a:p>
             <a:fld id="{8CCD710B-DBEB-48B9-BE37-6CC35DC50D83}" type="datetimeFigureOut">
               <a:rPr lang="ru-RU" smtClean="0"/>
-              <a:t>05.06.2018</a:t>
+              <a:t>07.06.2018</a:t>
             </a:fld>
             <a:endParaRPr lang="ru-RU"/>
           </a:p>
@@ -406,7 +406,7 @@
           <a:p>
             <a:fld id="{599FBC4C-1749-4424-9522-1B6D127EF272}" type="datetimeFigureOut">
               <a:rPr lang="ru-RU" smtClean="0"/>
-              <a:t>05.06.2018</a:t>
+              <a:t>07.06.2018</a:t>
             </a:fld>
             <a:endParaRPr lang="ru-RU" dirty="0"/>
           </a:p>
@@ -5820,16 +5820,6 @@
             <a:pPr marL="0" indent="0">
               <a:buNone/>
             </a:pPr>
-            <a:r>
-              <a:rPr lang="en-US" b="1" dirty="0" smtClean="0"/>
-              <a:t>Models based on autocorrelation</a:t>
-            </a:r>
-            <a:endParaRPr lang="ru-RU" b="1" dirty="0" smtClean="0"/>
-          </a:p>
-          <a:p>
-            <a:pPr marL="0" indent="0">
-              <a:buNone/>
-            </a:pPr>
             <a:endParaRPr lang="ru-RU" sz="1000" dirty="0"/>
           </a:p>
           <a:p>
@@ -7488,37 +7478,26 @@
       </p:sp>
       <p:pic>
         <p:nvPicPr>
-          <p:cNvPr id="9" name="Рисунок 8"/>
+          <p:cNvPr id="5" name="Рисунок 4"/>
           <p:cNvPicPr>
             <a:picLocks noChangeAspect="1"/>
           </p:cNvPicPr>
           <p:nvPr/>
         </p:nvPicPr>
         <p:blipFill>
-          <a:blip r:embed="rId2">
-            <a:extLst>
-              <a:ext uri="{28A0092B-C50C-407E-A947-70E740481C1C}">
-                <a14:useLocalDpi xmlns:a14="http://schemas.microsoft.com/office/drawing/2010/main" val="0"/>
-              </a:ext>
-            </a:extLst>
-          </a:blip>
-          <a:srcRect/>
+          <a:blip r:embed="rId2"/>
           <a:stretch>
             <a:fillRect/>
           </a:stretch>
         </p:blipFill>
-        <p:spPr bwMode="auto">
+        <p:spPr>
           <a:xfrm>
-            <a:off x="468432" y="3434742"/>
-            <a:ext cx="8208572" cy="2749299"/>
+            <a:off x="473291" y="3274593"/>
+            <a:ext cx="8193405" cy="2703195"/>
           </a:xfrm>
           <a:prstGeom prst="rect">
             <a:avLst/>
           </a:prstGeom>
-          <a:noFill/>
-          <a:ln>
-            <a:noFill/>
-          </a:ln>
         </p:spPr>
       </p:pic>
     </p:spTree>
@@ -8445,8 +8424,12 @@
               <a:t> </a:t>
             </a:r>
             <a:r>
+              <a:rPr lang="en-US" sz="2400" dirty="0" smtClean="0"/>
+              <a:t>Integrated Moving </a:t>
+            </a:r>
+            <a:r>
               <a:rPr lang="en-US" sz="2400" dirty="0"/>
-              <a:t>Integral Model with Moving Average</a:t>
+              <a:t>Average</a:t>
             </a:r>
             <a:r>
               <a:rPr lang="ru-RU" sz="2400" dirty="0" smtClean="0"/>
@@ -13736,15 +13719,7 @@
             </a:r>
             <a:r>
               <a:rPr lang="en-US" sz="2400" dirty="0" smtClean="0"/>
-              <a:t>demonstrates </a:t>
-            </a:r>
-            <a:r>
-              <a:rPr lang="en-US" sz="2400" dirty="0" smtClean="0"/>
-              <a:t>trend or seasonality </a:t>
-            </a:r>
-            <a:r>
-              <a:rPr lang="en-US" sz="2400" dirty="0" smtClean="0"/>
-              <a:t>or cyclicity</a:t>
+              <a:t>demonstrates trend or seasonality or cyclicity</a:t>
             </a:r>
             <a:r>
               <a:rPr lang="ru-RU" sz="2400" dirty="0" smtClean="0"/>
@@ -13869,608 +13844,6 @@
 </file>
 
 <file path=ppt/slides/slide29.xml><?xml version="1.0" encoding="utf-8"?>
-<p:sld xmlns:a="http://schemas.openxmlformats.org/drawingml/2006/main" xmlns:r="http://schemas.openxmlformats.org/officeDocument/2006/relationships" xmlns:p="http://schemas.openxmlformats.org/presentationml/2006/main">
-  <p:cSld>
-    <p:spTree>
-      <p:nvGrpSpPr>
-        <p:cNvPr id="1" name=""/>
-        <p:cNvGrpSpPr/>
-        <p:nvPr/>
-      </p:nvGrpSpPr>
-      <p:grpSpPr>
-        <a:xfrm>
-          <a:off x="0" y="0"/>
-          <a:ext cx="0" cy="0"/>
-          <a:chOff x="0" y="0"/>
-          <a:chExt cx="0" cy="0"/>
-        </a:xfrm>
-      </p:grpSpPr>
-      <p:sp>
-        <p:nvSpPr>
-          <p:cNvPr id="2" name="Заголовок 1"/>
-          <p:cNvSpPr>
-            <a:spLocks noGrp="1"/>
-          </p:cNvSpPr>
-          <p:nvPr>
-            <p:ph type="title"/>
-          </p:nvPr>
-        </p:nvSpPr>
-        <p:spPr>
-          <a:xfrm>
-            <a:off x="228600" y="206459"/>
-            <a:ext cx="8077200" cy="792162"/>
-          </a:xfrm>
-        </p:spPr>
-        <p:txBody>
-          <a:bodyPr>
-            <a:noAutofit/>
-          </a:bodyPr>
-          <a:lstStyle/>
-          <a:p>
-            <a:r>
-              <a:rPr lang="en-US" sz="2800" b="1" dirty="0" smtClean="0"/>
-              <a:t>Building </a:t>
-            </a:r>
-            <a:r>
-              <a:rPr lang="en-US" sz="2800" b="1" i="1" dirty="0" smtClean="0"/>
-              <a:t>ARIMA(</a:t>
-            </a:r>
-            <a:r>
-              <a:rPr lang="en-US" sz="2800" b="1" i="1" dirty="0" err="1" smtClean="0"/>
-              <a:t>p,d,q</a:t>
-            </a:r>
-            <a:r>
-              <a:rPr lang="en-US" sz="2800" b="1" i="1" dirty="0" smtClean="0"/>
-              <a:t>)</a:t>
-            </a:r>
-            <a:r>
-              <a:rPr lang="ru-RU" sz="2800" b="1" dirty="0" smtClean="0"/>
-              <a:t> </a:t>
-            </a:r>
-            <a:endParaRPr lang="ru-RU" sz="2800" b="1" dirty="0"/>
-          </a:p>
-        </p:txBody>
-      </p:sp>
-      <p:sp>
-        <p:nvSpPr>
-          <p:cNvPr id="3" name="Объект 2"/>
-          <p:cNvSpPr>
-            <a:spLocks noGrp="1"/>
-          </p:cNvSpPr>
-          <p:nvPr>
-            <p:ph idx="1"/>
-          </p:nvPr>
-        </p:nvSpPr>
-        <p:spPr>
-          <a:xfrm>
-            <a:off x="228600" y="998621"/>
-            <a:ext cx="8686800" cy="5630779"/>
-          </a:xfrm>
-        </p:spPr>
-        <p:txBody>
-          <a:bodyPr>
-            <a:normAutofit/>
-          </a:bodyPr>
-          <a:lstStyle/>
-          <a:p>
-            <a:pPr marL="0" indent="0">
-              <a:buNone/>
-            </a:pPr>
-            <a:endParaRPr lang="en-US" sz="1000" dirty="0" smtClean="0"/>
-          </a:p>
-          <a:p>
-            <a:pPr marL="0" indent="0">
-              <a:buNone/>
-            </a:pPr>
-            <a:r>
-              <a:rPr lang="en-US" sz="2400" b="1" dirty="0" smtClean="0"/>
-              <a:t>Step 1. Determining p, d, q </a:t>
-            </a:r>
-          </a:p>
-          <a:p>
-            <a:pPr marL="0" indent="0">
-              <a:buNone/>
-            </a:pPr>
-            <a:endParaRPr lang="en-US" sz="2400" b="1" dirty="0" smtClean="0"/>
-          </a:p>
-          <a:p>
-            <a:pPr marL="0" indent="0">
-              <a:buNone/>
-            </a:pPr>
-            <a:r>
-              <a:rPr lang="en-US" sz="2400" b="1" dirty="0" smtClean="0"/>
-              <a:t>Step 2. Finding model coefficients using train </a:t>
-            </a:r>
-            <a:r>
-              <a:rPr lang="en-US" sz="2400" b="1" dirty="0"/>
-              <a:t>data</a:t>
-            </a:r>
-            <a:r>
-              <a:rPr lang="ru-RU" sz="2400" b="1" dirty="0"/>
-              <a:t>, </a:t>
-            </a:r>
-            <a:r>
-              <a:rPr lang="en-US" sz="2400" b="1" dirty="0"/>
-              <a:t>prediction on </a:t>
-            </a:r>
-            <a:r>
-              <a:rPr lang="en-US" sz="2400" b="1" dirty="0" smtClean="0"/>
-              <a:t>valid data</a:t>
-            </a:r>
-            <a:r>
-              <a:rPr lang="ru-RU" sz="2400" b="1" dirty="0" smtClean="0"/>
-              <a:t>, </a:t>
-            </a:r>
-            <a:r>
-              <a:rPr lang="en-US" sz="2400" b="1" dirty="0"/>
-              <a:t>check performance</a:t>
-            </a:r>
-            <a:r>
-              <a:rPr lang="ru-RU" sz="2400" b="1" dirty="0"/>
-              <a:t> (</a:t>
-            </a:r>
-            <a:r>
-              <a:rPr lang="en-US" sz="2400" b="1" dirty="0"/>
-              <a:t>e</a:t>
-            </a:r>
-            <a:r>
-              <a:rPr lang="ru-RU" sz="2400" b="1" dirty="0"/>
-              <a:t>.</a:t>
-            </a:r>
-            <a:r>
-              <a:rPr lang="en-US" sz="2400" b="1" dirty="0"/>
-              <a:t>g</a:t>
-            </a:r>
-            <a:r>
-              <a:rPr lang="ru-RU" sz="2400" b="1" dirty="0"/>
-              <a:t>. </a:t>
-            </a:r>
-            <a:r>
-              <a:rPr lang="en-US" sz="2400" b="1" dirty="0"/>
-              <a:t>RMSE</a:t>
-            </a:r>
-            <a:r>
-              <a:rPr lang="ru-RU" sz="2400" b="1" dirty="0" smtClean="0"/>
-              <a:t>)</a:t>
-            </a:r>
-            <a:endParaRPr lang="en-US" sz="2400" b="1" dirty="0" smtClean="0"/>
-          </a:p>
-          <a:p>
-            <a:pPr marL="0" indent="0">
-              <a:buNone/>
-            </a:pPr>
-            <a:endParaRPr lang="en-US" sz="2400" b="1" dirty="0"/>
-          </a:p>
-          <a:p>
-            <a:pPr marL="0" indent="0">
-              <a:buNone/>
-            </a:pPr>
-            <a:r>
-              <a:rPr lang="en-US" sz="2400" b="1" dirty="0" smtClean="0"/>
-              <a:t>Step 3. Verifying model based on prediction errors analysis</a:t>
-            </a:r>
-          </a:p>
-          <a:p>
-            <a:pPr marL="0" indent="0">
-              <a:buNone/>
-            </a:pPr>
-            <a:endParaRPr lang="en-US" sz="2400" b="1" dirty="0"/>
-          </a:p>
-          <a:p>
-            <a:pPr marL="0" indent="0">
-              <a:buNone/>
-            </a:pPr>
-            <a:r>
-              <a:rPr lang="en-US" sz="2400" i="1" dirty="0" smtClean="0">
-                <a:solidFill>
-                  <a:srgbClr val="FF0000"/>
-                </a:solidFill>
-              </a:rPr>
-              <a:t>If a model isn’t adequate, go to step 1, otherwise model is ready to use</a:t>
-            </a:r>
-            <a:r>
-              <a:rPr lang="ru-RU" sz="2400" i="1" dirty="0">
-                <a:solidFill>
-                  <a:srgbClr val="FF0000"/>
-                </a:solidFill>
-              </a:rPr>
-              <a:t>.</a:t>
-            </a:r>
-            <a:endParaRPr lang="ru-RU" sz="2400" i="1" dirty="0" smtClean="0">
-              <a:solidFill>
-                <a:srgbClr val="FF0000"/>
-              </a:solidFill>
-            </a:endParaRPr>
-          </a:p>
-          <a:p>
-            <a:pPr marL="0" indent="0">
-              <a:buNone/>
-            </a:pPr>
-            <a:endParaRPr lang="ru-RU" sz="2400" i="1" dirty="0">
-              <a:solidFill>
-                <a:srgbClr val="FF0000"/>
-              </a:solidFill>
-            </a:endParaRPr>
-          </a:p>
-          <a:p>
-            <a:pPr marL="0" indent="0">
-              <a:buNone/>
-            </a:pPr>
-            <a:r>
-              <a:rPr lang="en-US" sz="2400" i="1" dirty="0" smtClean="0">
-                <a:solidFill>
-                  <a:srgbClr val="FF0000"/>
-                </a:solidFill>
-              </a:rPr>
-              <a:t> </a:t>
-            </a:r>
-            <a:r>
-              <a:rPr lang="en-US" sz="2400" b="1" i="1" dirty="0" smtClean="0">
-                <a:solidFill>
-                  <a:srgbClr val="FF0000"/>
-                </a:solidFill>
-              </a:rPr>
-              <a:t>?!</a:t>
-            </a:r>
-            <a:r>
-              <a:rPr lang="en-US" sz="2400" b="1" i="1" dirty="0" smtClean="0"/>
-              <a:t> </a:t>
-            </a:r>
-            <a:r>
-              <a:rPr lang="en-US" sz="2400" b="1" i="1" dirty="0" err="1" smtClean="0"/>
-              <a:t>Hyperparameters</a:t>
-            </a:r>
-            <a:r>
-              <a:rPr lang="en-US" sz="2400" b="1" i="1" dirty="0" smtClean="0"/>
-              <a:t> </a:t>
-            </a:r>
-            <a:r>
-              <a:rPr lang="en-US" sz="2400" b="1" i="1" dirty="0" err="1" smtClean="0"/>
-              <a:t>Gridsearch</a:t>
-            </a:r>
-            <a:r>
-              <a:rPr lang="en-US" sz="2400" b="1" i="1" dirty="0" smtClean="0"/>
-              <a:t> instead of step 1</a:t>
-            </a:r>
-          </a:p>
-        </p:txBody>
-      </p:sp>
-      <p:sp>
-        <p:nvSpPr>
-          <p:cNvPr id="4" name="Номер слайда 3"/>
-          <p:cNvSpPr>
-            <a:spLocks noGrp="1"/>
-          </p:cNvSpPr>
-          <p:nvPr>
-            <p:ph type="sldNum" sz="quarter" idx="12"/>
-          </p:nvPr>
-        </p:nvSpPr>
-        <p:spPr/>
-        <p:txBody>
-          <a:bodyPr/>
-          <a:lstStyle/>
-          <a:p>
-            <a:fld id="{B491C8E4-965C-47C5-86B5-2FEC2000E3F4}" type="slidenum">
-              <a:rPr lang="ru-RU" smtClean="0"/>
-              <a:pPr/>
-              <a:t>29</a:t>
-            </a:fld>
-            <a:endParaRPr lang="ru-RU" dirty="0"/>
-          </a:p>
-        </p:txBody>
-      </p:sp>
-      <p:sp>
-        <p:nvSpPr>
-          <p:cNvPr id="7" name="Нижний колонтитул 5"/>
-          <p:cNvSpPr>
-            <a:spLocks noGrp="1"/>
-          </p:cNvSpPr>
-          <p:nvPr>
-            <p:ph type="ftr" sz="quarter" idx="11"/>
-          </p:nvPr>
-        </p:nvSpPr>
-        <p:spPr>
-          <a:xfrm>
-            <a:off x="228600" y="6629400"/>
-            <a:ext cx="6172200" cy="228601"/>
-          </a:xfrm>
-        </p:spPr>
-        <p:txBody>
-          <a:bodyPr/>
-          <a:lstStyle/>
-          <a:p>
-            <a:r>
-              <a:rPr lang="en-US" b="1" dirty="0"/>
-              <a:t>ML-course.   </a:t>
-            </a:r>
-            <a:r>
-              <a:rPr lang="en-US" b="1" dirty="0" smtClean="0"/>
-              <a:t>Forecasting Time Series</a:t>
-            </a:r>
-            <a:r>
-              <a:rPr lang="en-US" dirty="0" smtClean="0"/>
-              <a:t> </a:t>
-            </a:r>
-            <a:endParaRPr lang="ru-RU" dirty="0"/>
-          </a:p>
-        </p:txBody>
-      </p:sp>
-    </p:spTree>
-    <p:extLst>
-      <p:ext uri="{BB962C8B-B14F-4D97-AF65-F5344CB8AC3E}">
-        <p14:creationId xmlns:p14="http://schemas.microsoft.com/office/powerpoint/2010/main" val="145354044"/>
-      </p:ext>
-    </p:extLst>
-  </p:cSld>
-  <p:clrMapOvr>
-    <a:masterClrMapping/>
-  </p:clrMapOvr>
-  <p:timing>
-    <p:tnLst>
-      <p:par>
-        <p:cTn id="1" dur="indefinite" restart="never" nodeType="tmRoot"/>
-      </p:par>
-    </p:tnLst>
-  </p:timing>
-</p:sld>
-</file>
-
-<file path=ppt/slides/slide3.xml><?xml version="1.0" encoding="utf-8"?>
-<p:sld xmlns:a="http://schemas.openxmlformats.org/drawingml/2006/main" xmlns:r="http://schemas.openxmlformats.org/officeDocument/2006/relationships" xmlns:p="http://schemas.openxmlformats.org/presentationml/2006/main">
-  <p:cSld>
-    <p:spTree>
-      <p:nvGrpSpPr>
-        <p:cNvPr id="1" name=""/>
-        <p:cNvGrpSpPr/>
-        <p:nvPr/>
-      </p:nvGrpSpPr>
-      <p:grpSpPr>
-        <a:xfrm>
-          <a:off x="0" y="0"/>
-          <a:ext cx="0" cy="0"/>
-          <a:chOff x="0" y="0"/>
-          <a:chExt cx="0" cy="0"/>
-        </a:xfrm>
-      </p:grpSpPr>
-      <p:sp>
-        <p:nvSpPr>
-          <p:cNvPr id="2" name="Заголовок 1"/>
-          <p:cNvSpPr>
-            <a:spLocks noGrp="1"/>
-          </p:cNvSpPr>
-          <p:nvPr>
-            <p:ph type="title"/>
-          </p:nvPr>
-        </p:nvSpPr>
-        <p:spPr/>
-        <p:txBody>
-          <a:bodyPr/>
-          <a:lstStyle/>
-          <a:p>
-            <a:r>
-              <a:rPr lang="en-US" dirty="0" smtClean="0"/>
-              <a:t>Reference</a:t>
-            </a:r>
-            <a:endParaRPr lang="ru-RU" dirty="0"/>
-          </a:p>
-        </p:txBody>
-      </p:sp>
-      <p:sp>
-        <p:nvSpPr>
-          <p:cNvPr id="3" name="Объект 2"/>
-          <p:cNvSpPr>
-            <a:spLocks noGrp="1"/>
-          </p:cNvSpPr>
-          <p:nvPr>
-            <p:ph idx="1"/>
-          </p:nvPr>
-        </p:nvSpPr>
-        <p:spPr>
-          <a:xfrm>
-            <a:off x="228600" y="3124200"/>
-            <a:ext cx="8686800" cy="2502265"/>
-          </a:xfrm>
-        </p:spPr>
-        <p:txBody>
-          <a:bodyPr>
-            <a:normAutofit fontScale="92500" lnSpcReduction="20000"/>
-          </a:bodyPr>
-          <a:lstStyle/>
-          <a:p>
-            <a:pPr marL="0" indent="0">
-              <a:buNone/>
-            </a:pPr>
-            <a:r>
-              <a:rPr lang="en-US" i="1" dirty="0"/>
-              <a:t>Jake </a:t>
-            </a:r>
-            <a:r>
-              <a:rPr lang="en-US" i="1" dirty="0" err="1"/>
-              <a:t>VanderPlas</a:t>
-            </a:r>
-            <a:r>
-              <a:rPr lang="en-US" i="1" dirty="0"/>
-              <a:t> </a:t>
-            </a:r>
-            <a:endParaRPr lang="en-US" i="1" dirty="0" smtClean="0"/>
-          </a:p>
-          <a:p>
-            <a:pPr marL="0" indent="0">
-              <a:buNone/>
-            </a:pPr>
-            <a:r>
-              <a:rPr lang="en-US" i="1" dirty="0"/>
-              <a:t/>
-            </a:r>
-            <a:br>
-              <a:rPr lang="en-US" i="1" dirty="0"/>
-            </a:br>
-            <a:r>
-              <a:rPr lang="en-US" i="1" dirty="0"/>
-              <a:t>Python Data Science </a:t>
-            </a:r>
-            <a:r>
-              <a:rPr lang="en-US" i="1" dirty="0" smtClean="0"/>
-              <a:t>Handbook</a:t>
-            </a:r>
-          </a:p>
-          <a:p>
-            <a:pPr marL="0" indent="0">
-              <a:buNone/>
-            </a:pPr>
-            <a:r>
-              <a:rPr lang="en-US" sz="2400" dirty="0">
-                <a:hlinkClick r:id="rId2"/>
-              </a:rPr>
-              <a:t>https://jakevdp.github.io/PythonDataScienceHandbook</a:t>
-            </a:r>
-            <a:r>
-              <a:rPr lang="en-US" sz="2400" dirty="0" smtClean="0">
-                <a:hlinkClick r:id="rId2"/>
-              </a:rPr>
-              <a:t>/</a:t>
-            </a:r>
-            <a:endParaRPr lang="en-US" sz="2400" dirty="0" smtClean="0"/>
-          </a:p>
-          <a:p>
-            <a:pPr marL="0" indent="0">
-              <a:buNone/>
-            </a:pPr>
-            <a:endParaRPr lang="en-US" sz="2400" dirty="0" smtClean="0"/>
-          </a:p>
-          <a:p>
-            <a:pPr marL="0" indent="0">
-              <a:buNone/>
-            </a:pPr>
-            <a:r>
-              <a:rPr lang="en-US" sz="2400" dirty="0" smtClean="0"/>
-              <a:t>03.11-Working-with-Time-Series.ipynb  </a:t>
-            </a:r>
-          </a:p>
-          <a:p>
-            <a:pPr marL="0" indent="0">
-              <a:buNone/>
-            </a:pPr>
-            <a:endParaRPr lang="en-US" sz="2400" dirty="0" smtClean="0"/>
-          </a:p>
-        </p:txBody>
-      </p:sp>
-      <p:sp>
-        <p:nvSpPr>
-          <p:cNvPr id="4" name="Номер слайда 3"/>
-          <p:cNvSpPr>
-            <a:spLocks noGrp="1"/>
-          </p:cNvSpPr>
-          <p:nvPr>
-            <p:ph type="sldNum" sz="quarter" idx="12"/>
-          </p:nvPr>
-        </p:nvSpPr>
-        <p:spPr/>
-        <p:txBody>
-          <a:bodyPr/>
-          <a:lstStyle/>
-          <a:p>
-            <a:fld id="{B491C8E4-965C-47C5-86B5-2FEC2000E3F4}" type="slidenum">
-              <a:rPr lang="ru-RU" smtClean="0"/>
-              <a:pPr/>
-              <a:t>3</a:t>
-            </a:fld>
-            <a:endParaRPr lang="ru-RU" dirty="0"/>
-          </a:p>
-        </p:txBody>
-      </p:sp>
-      <p:pic>
-        <p:nvPicPr>
-          <p:cNvPr id="6" name="Picture 2" descr="Book Cover"/>
-          <p:cNvPicPr>
-            <a:picLocks noChangeAspect="1" noChangeArrowheads="1"/>
-          </p:cNvPicPr>
-          <p:nvPr/>
-        </p:nvPicPr>
-        <p:blipFill>
-          <a:blip r:embed="rId3">
-            <a:extLst>
-              <a:ext uri="{28A0092B-C50C-407E-A947-70E740481C1C}">
-                <a14:useLocalDpi xmlns:a14="http://schemas.microsoft.com/office/drawing/2010/main" val="0"/>
-              </a:ext>
-            </a:extLst>
-          </a:blip>
-          <a:srcRect/>
-          <a:stretch>
-            <a:fillRect/>
-          </a:stretch>
-        </p:blipFill>
-        <p:spPr bwMode="auto">
-          <a:xfrm>
-            <a:off x="5391600" y="459204"/>
-            <a:ext cx="2400000" cy="3168254"/>
-          </a:xfrm>
-          <a:prstGeom prst="rect">
-            <a:avLst/>
-          </a:prstGeom>
-          <a:noFill/>
-          <a:ln>
-            <a:solidFill>
-              <a:schemeClr val="tx1"/>
-            </a:solidFill>
-          </a:ln>
-          <a:extLst>
-            <a:ext uri="{909E8E84-426E-40DD-AFC4-6F175D3DCCD1}">
-              <a14:hiddenFill xmlns:a14="http://schemas.microsoft.com/office/drawing/2010/main">
-                <a:solidFill>
-                  <a:srgbClr val="FFFFFF"/>
-                </a:solidFill>
-              </a14:hiddenFill>
-            </a:ext>
-          </a:extLst>
-        </p:spPr>
-      </p:pic>
-      <p:sp>
-        <p:nvSpPr>
-          <p:cNvPr id="7" name="Нижний колонтитул 4"/>
-          <p:cNvSpPr>
-            <a:spLocks noGrp="1"/>
-          </p:cNvSpPr>
-          <p:nvPr>
-            <p:ph type="ftr" sz="quarter" idx="11"/>
-          </p:nvPr>
-        </p:nvSpPr>
-        <p:spPr>
-          <a:xfrm>
-            <a:off x="228600" y="6629400"/>
-            <a:ext cx="6172200" cy="228601"/>
-          </a:xfrm>
-        </p:spPr>
-        <p:txBody>
-          <a:bodyPr/>
-          <a:lstStyle/>
-          <a:p>
-            <a:r>
-              <a:rPr lang="en-US" b="1" dirty="0"/>
-              <a:t>ML-course. </a:t>
-            </a:r>
-            <a:r>
-              <a:rPr lang="en-US" dirty="0" smtClean="0"/>
-              <a:t>Classification</a:t>
-            </a:r>
-            <a:endParaRPr lang="ru-RU" dirty="0"/>
-          </a:p>
-        </p:txBody>
-      </p:sp>
-    </p:spTree>
-    <p:extLst>
-      <p:ext uri="{BB962C8B-B14F-4D97-AF65-F5344CB8AC3E}">
-        <p14:creationId xmlns:p14="http://schemas.microsoft.com/office/powerpoint/2010/main" val="3636911693"/>
-      </p:ext>
-    </p:extLst>
-  </p:cSld>
-  <p:clrMapOvr>
-    <a:masterClrMapping/>
-  </p:clrMapOvr>
-</p:sld>
-</file>
-
-<file path=ppt/slides/slide30.xml><?xml version="1.0" encoding="utf-8"?>
 <p:sld xmlns:a="http://schemas.openxmlformats.org/drawingml/2006/main" xmlns:r="http://schemas.openxmlformats.org/officeDocument/2006/relationships" xmlns:p="http://schemas.openxmlformats.org/presentationml/2006/main">
   <p:cSld>
     <p:spTree>
@@ -15525,7 +14898,7 @@
             <a:fld id="{B491C8E4-965C-47C5-86B5-2FEC2000E3F4}" type="slidenum">
               <a:rPr lang="ru-RU" smtClean="0"/>
               <a:pPr/>
-              <a:t>30</a:t>
+              <a:t>29</a:t>
             </a:fld>
             <a:endParaRPr lang="ru-RU" dirty="0"/>
           </a:p>
@@ -15571,6 +14944,608 @@
     <p:extLst>
       <p:ext uri="{BB962C8B-B14F-4D97-AF65-F5344CB8AC3E}">
         <p14:creationId xmlns:p14="http://schemas.microsoft.com/office/powerpoint/2010/main" val="3974244706"/>
+      </p:ext>
+    </p:extLst>
+  </p:cSld>
+  <p:clrMapOvr>
+    <a:masterClrMapping/>
+  </p:clrMapOvr>
+  <p:timing>
+    <p:tnLst>
+      <p:par>
+        <p:cTn id="1" dur="indefinite" restart="never" nodeType="tmRoot"/>
+      </p:par>
+    </p:tnLst>
+  </p:timing>
+</p:sld>
+</file>
+
+<file path=ppt/slides/slide3.xml><?xml version="1.0" encoding="utf-8"?>
+<p:sld xmlns:a="http://schemas.openxmlformats.org/drawingml/2006/main" xmlns:r="http://schemas.openxmlformats.org/officeDocument/2006/relationships" xmlns:p="http://schemas.openxmlformats.org/presentationml/2006/main">
+  <p:cSld>
+    <p:spTree>
+      <p:nvGrpSpPr>
+        <p:cNvPr id="1" name=""/>
+        <p:cNvGrpSpPr/>
+        <p:nvPr/>
+      </p:nvGrpSpPr>
+      <p:grpSpPr>
+        <a:xfrm>
+          <a:off x="0" y="0"/>
+          <a:ext cx="0" cy="0"/>
+          <a:chOff x="0" y="0"/>
+          <a:chExt cx="0" cy="0"/>
+        </a:xfrm>
+      </p:grpSpPr>
+      <p:sp>
+        <p:nvSpPr>
+          <p:cNvPr id="2" name="Заголовок 1"/>
+          <p:cNvSpPr>
+            <a:spLocks noGrp="1"/>
+          </p:cNvSpPr>
+          <p:nvPr>
+            <p:ph type="title"/>
+          </p:nvPr>
+        </p:nvSpPr>
+        <p:spPr/>
+        <p:txBody>
+          <a:bodyPr/>
+          <a:lstStyle/>
+          <a:p>
+            <a:r>
+              <a:rPr lang="en-US" dirty="0" smtClean="0"/>
+              <a:t>Reference</a:t>
+            </a:r>
+            <a:endParaRPr lang="ru-RU" dirty="0"/>
+          </a:p>
+        </p:txBody>
+      </p:sp>
+      <p:sp>
+        <p:nvSpPr>
+          <p:cNvPr id="3" name="Объект 2"/>
+          <p:cNvSpPr>
+            <a:spLocks noGrp="1"/>
+          </p:cNvSpPr>
+          <p:nvPr>
+            <p:ph idx="1"/>
+          </p:nvPr>
+        </p:nvSpPr>
+        <p:spPr>
+          <a:xfrm>
+            <a:off x="228600" y="3124200"/>
+            <a:ext cx="8686800" cy="2502265"/>
+          </a:xfrm>
+        </p:spPr>
+        <p:txBody>
+          <a:bodyPr>
+            <a:normAutofit fontScale="92500" lnSpcReduction="20000"/>
+          </a:bodyPr>
+          <a:lstStyle/>
+          <a:p>
+            <a:pPr marL="0" indent="0">
+              <a:buNone/>
+            </a:pPr>
+            <a:r>
+              <a:rPr lang="en-US" i="1" dirty="0"/>
+              <a:t>Jake </a:t>
+            </a:r>
+            <a:r>
+              <a:rPr lang="en-US" i="1" dirty="0" err="1"/>
+              <a:t>VanderPlas</a:t>
+            </a:r>
+            <a:r>
+              <a:rPr lang="en-US" i="1" dirty="0"/>
+              <a:t> </a:t>
+            </a:r>
+            <a:endParaRPr lang="en-US" i="1" dirty="0" smtClean="0"/>
+          </a:p>
+          <a:p>
+            <a:pPr marL="0" indent="0">
+              <a:buNone/>
+            </a:pPr>
+            <a:r>
+              <a:rPr lang="en-US" i="1" dirty="0"/>
+              <a:t/>
+            </a:r>
+            <a:br>
+              <a:rPr lang="en-US" i="1" dirty="0"/>
+            </a:br>
+            <a:r>
+              <a:rPr lang="en-US" i="1" dirty="0"/>
+              <a:t>Python Data Science </a:t>
+            </a:r>
+            <a:r>
+              <a:rPr lang="en-US" i="1" dirty="0" smtClean="0"/>
+              <a:t>Handbook</a:t>
+            </a:r>
+          </a:p>
+          <a:p>
+            <a:pPr marL="0" indent="0">
+              <a:buNone/>
+            </a:pPr>
+            <a:r>
+              <a:rPr lang="en-US" sz="2400" dirty="0">
+                <a:hlinkClick r:id="rId2"/>
+              </a:rPr>
+              <a:t>https://jakevdp.github.io/PythonDataScienceHandbook</a:t>
+            </a:r>
+            <a:r>
+              <a:rPr lang="en-US" sz="2400" dirty="0" smtClean="0">
+                <a:hlinkClick r:id="rId2"/>
+              </a:rPr>
+              <a:t>/</a:t>
+            </a:r>
+            <a:endParaRPr lang="en-US" sz="2400" dirty="0" smtClean="0"/>
+          </a:p>
+          <a:p>
+            <a:pPr marL="0" indent="0">
+              <a:buNone/>
+            </a:pPr>
+            <a:endParaRPr lang="en-US" sz="2400" dirty="0" smtClean="0"/>
+          </a:p>
+          <a:p>
+            <a:pPr marL="0" indent="0">
+              <a:buNone/>
+            </a:pPr>
+            <a:r>
+              <a:rPr lang="en-US" sz="2400" dirty="0" smtClean="0"/>
+              <a:t>03.11-Working-with-Time-Series.ipynb  </a:t>
+            </a:r>
+          </a:p>
+          <a:p>
+            <a:pPr marL="0" indent="0">
+              <a:buNone/>
+            </a:pPr>
+            <a:endParaRPr lang="en-US" sz="2400" dirty="0" smtClean="0"/>
+          </a:p>
+        </p:txBody>
+      </p:sp>
+      <p:sp>
+        <p:nvSpPr>
+          <p:cNvPr id="4" name="Номер слайда 3"/>
+          <p:cNvSpPr>
+            <a:spLocks noGrp="1"/>
+          </p:cNvSpPr>
+          <p:nvPr>
+            <p:ph type="sldNum" sz="quarter" idx="12"/>
+          </p:nvPr>
+        </p:nvSpPr>
+        <p:spPr/>
+        <p:txBody>
+          <a:bodyPr/>
+          <a:lstStyle/>
+          <a:p>
+            <a:fld id="{B491C8E4-965C-47C5-86B5-2FEC2000E3F4}" type="slidenum">
+              <a:rPr lang="ru-RU" smtClean="0"/>
+              <a:pPr/>
+              <a:t>3</a:t>
+            </a:fld>
+            <a:endParaRPr lang="ru-RU" dirty="0"/>
+          </a:p>
+        </p:txBody>
+      </p:sp>
+      <p:pic>
+        <p:nvPicPr>
+          <p:cNvPr id="6" name="Picture 2" descr="Book Cover"/>
+          <p:cNvPicPr>
+            <a:picLocks noChangeAspect="1" noChangeArrowheads="1"/>
+          </p:cNvPicPr>
+          <p:nvPr/>
+        </p:nvPicPr>
+        <p:blipFill>
+          <a:blip r:embed="rId3">
+            <a:extLst>
+              <a:ext uri="{28A0092B-C50C-407E-A947-70E740481C1C}">
+                <a14:useLocalDpi xmlns:a14="http://schemas.microsoft.com/office/drawing/2010/main" val="0"/>
+              </a:ext>
+            </a:extLst>
+          </a:blip>
+          <a:srcRect/>
+          <a:stretch>
+            <a:fillRect/>
+          </a:stretch>
+        </p:blipFill>
+        <p:spPr bwMode="auto">
+          <a:xfrm>
+            <a:off x="5391600" y="459204"/>
+            <a:ext cx="2400000" cy="3168254"/>
+          </a:xfrm>
+          <a:prstGeom prst="rect">
+            <a:avLst/>
+          </a:prstGeom>
+          <a:noFill/>
+          <a:ln>
+            <a:solidFill>
+              <a:schemeClr val="tx1"/>
+            </a:solidFill>
+          </a:ln>
+          <a:extLst>
+            <a:ext uri="{909E8E84-426E-40DD-AFC4-6F175D3DCCD1}">
+              <a14:hiddenFill xmlns:a14="http://schemas.microsoft.com/office/drawing/2010/main">
+                <a:solidFill>
+                  <a:srgbClr val="FFFFFF"/>
+                </a:solidFill>
+              </a14:hiddenFill>
+            </a:ext>
+          </a:extLst>
+        </p:spPr>
+      </p:pic>
+      <p:sp>
+        <p:nvSpPr>
+          <p:cNvPr id="7" name="Нижний колонтитул 4"/>
+          <p:cNvSpPr>
+            <a:spLocks noGrp="1"/>
+          </p:cNvSpPr>
+          <p:nvPr>
+            <p:ph type="ftr" sz="quarter" idx="11"/>
+          </p:nvPr>
+        </p:nvSpPr>
+        <p:spPr>
+          <a:xfrm>
+            <a:off x="228600" y="6629400"/>
+            <a:ext cx="6172200" cy="228601"/>
+          </a:xfrm>
+        </p:spPr>
+        <p:txBody>
+          <a:bodyPr/>
+          <a:lstStyle/>
+          <a:p>
+            <a:r>
+              <a:rPr lang="en-US" b="1" dirty="0"/>
+              <a:t>ML-course. </a:t>
+            </a:r>
+            <a:r>
+              <a:rPr lang="en-US" dirty="0" smtClean="0"/>
+              <a:t>Classification</a:t>
+            </a:r>
+            <a:endParaRPr lang="ru-RU" dirty="0"/>
+          </a:p>
+        </p:txBody>
+      </p:sp>
+    </p:spTree>
+    <p:extLst>
+      <p:ext uri="{BB962C8B-B14F-4D97-AF65-F5344CB8AC3E}">
+        <p14:creationId xmlns:p14="http://schemas.microsoft.com/office/powerpoint/2010/main" val="3636911693"/>
+      </p:ext>
+    </p:extLst>
+  </p:cSld>
+  <p:clrMapOvr>
+    <a:masterClrMapping/>
+  </p:clrMapOvr>
+</p:sld>
+</file>
+
+<file path=ppt/slides/slide30.xml><?xml version="1.0" encoding="utf-8"?>
+<p:sld xmlns:a="http://schemas.openxmlformats.org/drawingml/2006/main" xmlns:r="http://schemas.openxmlformats.org/officeDocument/2006/relationships" xmlns:p="http://schemas.openxmlformats.org/presentationml/2006/main">
+  <p:cSld>
+    <p:spTree>
+      <p:nvGrpSpPr>
+        <p:cNvPr id="1" name=""/>
+        <p:cNvGrpSpPr/>
+        <p:nvPr/>
+      </p:nvGrpSpPr>
+      <p:grpSpPr>
+        <a:xfrm>
+          <a:off x="0" y="0"/>
+          <a:ext cx="0" cy="0"/>
+          <a:chOff x="0" y="0"/>
+          <a:chExt cx="0" cy="0"/>
+        </a:xfrm>
+      </p:grpSpPr>
+      <p:sp>
+        <p:nvSpPr>
+          <p:cNvPr id="2" name="Заголовок 1"/>
+          <p:cNvSpPr>
+            <a:spLocks noGrp="1"/>
+          </p:cNvSpPr>
+          <p:nvPr>
+            <p:ph type="title"/>
+          </p:nvPr>
+        </p:nvSpPr>
+        <p:spPr>
+          <a:xfrm>
+            <a:off x="228600" y="206459"/>
+            <a:ext cx="8077200" cy="792162"/>
+          </a:xfrm>
+        </p:spPr>
+        <p:txBody>
+          <a:bodyPr>
+            <a:noAutofit/>
+          </a:bodyPr>
+          <a:lstStyle/>
+          <a:p>
+            <a:r>
+              <a:rPr lang="en-US" sz="2800" b="1" dirty="0" smtClean="0"/>
+              <a:t>Building </a:t>
+            </a:r>
+            <a:r>
+              <a:rPr lang="en-US" sz="2800" b="1" i="1" dirty="0" smtClean="0"/>
+              <a:t>ARIMA(</a:t>
+            </a:r>
+            <a:r>
+              <a:rPr lang="en-US" sz="2800" b="1" i="1" dirty="0" err="1" smtClean="0"/>
+              <a:t>p,d,q</a:t>
+            </a:r>
+            <a:r>
+              <a:rPr lang="en-US" sz="2800" b="1" i="1" dirty="0" smtClean="0"/>
+              <a:t>)</a:t>
+            </a:r>
+            <a:r>
+              <a:rPr lang="ru-RU" sz="2800" b="1" dirty="0" smtClean="0"/>
+              <a:t> </a:t>
+            </a:r>
+            <a:endParaRPr lang="ru-RU" sz="2800" b="1" dirty="0"/>
+          </a:p>
+        </p:txBody>
+      </p:sp>
+      <p:sp>
+        <p:nvSpPr>
+          <p:cNvPr id="3" name="Объект 2"/>
+          <p:cNvSpPr>
+            <a:spLocks noGrp="1"/>
+          </p:cNvSpPr>
+          <p:nvPr>
+            <p:ph idx="1"/>
+          </p:nvPr>
+        </p:nvSpPr>
+        <p:spPr>
+          <a:xfrm>
+            <a:off x="228600" y="998621"/>
+            <a:ext cx="8686800" cy="5630779"/>
+          </a:xfrm>
+        </p:spPr>
+        <p:txBody>
+          <a:bodyPr>
+            <a:normAutofit/>
+          </a:bodyPr>
+          <a:lstStyle/>
+          <a:p>
+            <a:pPr marL="0" indent="0">
+              <a:buNone/>
+            </a:pPr>
+            <a:endParaRPr lang="en-US" sz="1000" dirty="0" smtClean="0"/>
+          </a:p>
+          <a:p>
+            <a:pPr marL="0" indent="0">
+              <a:buNone/>
+            </a:pPr>
+            <a:r>
+              <a:rPr lang="en-US" sz="2400" b="1" dirty="0" smtClean="0"/>
+              <a:t>Step 1. Determining p, d, q </a:t>
+            </a:r>
+          </a:p>
+          <a:p>
+            <a:pPr marL="0" indent="0">
+              <a:buNone/>
+            </a:pPr>
+            <a:endParaRPr lang="en-US" sz="2400" b="1" dirty="0" smtClean="0"/>
+          </a:p>
+          <a:p>
+            <a:pPr marL="0" indent="0">
+              <a:buNone/>
+            </a:pPr>
+            <a:r>
+              <a:rPr lang="en-US" sz="2400" b="1" dirty="0" smtClean="0"/>
+              <a:t>Step 2. Finding model coefficients using train </a:t>
+            </a:r>
+            <a:r>
+              <a:rPr lang="en-US" sz="2400" b="1" dirty="0"/>
+              <a:t>data</a:t>
+            </a:r>
+            <a:r>
+              <a:rPr lang="ru-RU" sz="2400" b="1" dirty="0"/>
+              <a:t>, </a:t>
+            </a:r>
+            <a:r>
+              <a:rPr lang="en-US" sz="2400" b="1" dirty="0"/>
+              <a:t>prediction on </a:t>
+            </a:r>
+            <a:r>
+              <a:rPr lang="en-US" sz="2400" b="1" dirty="0" smtClean="0"/>
+              <a:t>valid data</a:t>
+            </a:r>
+            <a:r>
+              <a:rPr lang="ru-RU" sz="2400" b="1" dirty="0" smtClean="0"/>
+              <a:t>, </a:t>
+            </a:r>
+            <a:r>
+              <a:rPr lang="en-US" sz="2400" b="1" dirty="0"/>
+              <a:t>check performance</a:t>
+            </a:r>
+            <a:r>
+              <a:rPr lang="ru-RU" sz="2400" b="1" dirty="0"/>
+              <a:t> (</a:t>
+            </a:r>
+            <a:r>
+              <a:rPr lang="en-US" sz="2400" b="1" dirty="0"/>
+              <a:t>e</a:t>
+            </a:r>
+            <a:r>
+              <a:rPr lang="ru-RU" sz="2400" b="1" dirty="0"/>
+              <a:t>.</a:t>
+            </a:r>
+            <a:r>
+              <a:rPr lang="en-US" sz="2400" b="1" dirty="0"/>
+              <a:t>g</a:t>
+            </a:r>
+            <a:r>
+              <a:rPr lang="ru-RU" sz="2400" b="1" dirty="0"/>
+              <a:t>. </a:t>
+            </a:r>
+            <a:r>
+              <a:rPr lang="en-US" sz="2400" b="1" dirty="0"/>
+              <a:t>RMSE</a:t>
+            </a:r>
+            <a:r>
+              <a:rPr lang="ru-RU" sz="2400" b="1" dirty="0" smtClean="0"/>
+              <a:t>)</a:t>
+            </a:r>
+            <a:endParaRPr lang="en-US" sz="2400" b="1" dirty="0" smtClean="0"/>
+          </a:p>
+          <a:p>
+            <a:pPr marL="0" indent="0">
+              <a:buNone/>
+            </a:pPr>
+            <a:endParaRPr lang="en-US" sz="2400" b="1" dirty="0"/>
+          </a:p>
+          <a:p>
+            <a:pPr marL="0" indent="0">
+              <a:buNone/>
+            </a:pPr>
+            <a:r>
+              <a:rPr lang="en-US" sz="2400" b="1" dirty="0" smtClean="0"/>
+              <a:t>Step 3. Verifying model based on prediction errors analysis</a:t>
+            </a:r>
+          </a:p>
+          <a:p>
+            <a:pPr marL="0" indent="0">
+              <a:buNone/>
+            </a:pPr>
+            <a:endParaRPr lang="en-US" sz="2400" b="1" dirty="0"/>
+          </a:p>
+          <a:p>
+            <a:pPr marL="0" indent="0">
+              <a:buNone/>
+            </a:pPr>
+            <a:r>
+              <a:rPr lang="en-US" sz="2400" i="1" dirty="0" smtClean="0">
+                <a:solidFill>
+                  <a:srgbClr val="FF0000"/>
+                </a:solidFill>
+              </a:rPr>
+              <a:t>If a model isn’t adequate, go to step 1, otherwise model is ready to use</a:t>
+            </a:r>
+            <a:r>
+              <a:rPr lang="ru-RU" sz="2400" i="1" dirty="0">
+                <a:solidFill>
+                  <a:srgbClr val="FF0000"/>
+                </a:solidFill>
+              </a:rPr>
+              <a:t>.</a:t>
+            </a:r>
+            <a:endParaRPr lang="ru-RU" sz="2400" i="1" dirty="0" smtClean="0">
+              <a:solidFill>
+                <a:srgbClr val="FF0000"/>
+              </a:solidFill>
+            </a:endParaRPr>
+          </a:p>
+          <a:p>
+            <a:pPr marL="0" indent="0">
+              <a:buNone/>
+            </a:pPr>
+            <a:endParaRPr lang="ru-RU" sz="2400" i="1" dirty="0">
+              <a:solidFill>
+                <a:srgbClr val="FF0000"/>
+              </a:solidFill>
+            </a:endParaRPr>
+          </a:p>
+          <a:p>
+            <a:pPr marL="0" indent="0">
+              <a:buNone/>
+            </a:pPr>
+            <a:r>
+              <a:rPr lang="en-US" sz="2400" i="1" dirty="0" smtClean="0">
+                <a:solidFill>
+                  <a:srgbClr val="FF0000"/>
+                </a:solidFill>
+              </a:rPr>
+              <a:t> </a:t>
+            </a:r>
+            <a:r>
+              <a:rPr lang="en-US" sz="2400" b="1" i="1" dirty="0" smtClean="0">
+                <a:solidFill>
+                  <a:srgbClr val="FF0000"/>
+                </a:solidFill>
+              </a:rPr>
+              <a:t>?!</a:t>
+            </a:r>
+            <a:r>
+              <a:rPr lang="en-US" sz="2400" b="1" i="1" dirty="0" smtClean="0"/>
+              <a:t> </a:t>
+            </a:r>
+            <a:r>
+              <a:rPr lang="en-US" sz="2400" b="1" i="1" dirty="0" err="1" smtClean="0"/>
+              <a:t>Hyperparameters</a:t>
+            </a:r>
+            <a:r>
+              <a:rPr lang="en-US" sz="2400" b="1" i="1" dirty="0" smtClean="0"/>
+              <a:t> </a:t>
+            </a:r>
+            <a:r>
+              <a:rPr lang="en-US" sz="2400" b="1" i="1" dirty="0" err="1" smtClean="0"/>
+              <a:t>Gridsearch</a:t>
+            </a:r>
+            <a:r>
+              <a:rPr lang="en-US" sz="2400" b="1" i="1" dirty="0" smtClean="0"/>
+              <a:t> instead of step 1</a:t>
+            </a:r>
+          </a:p>
+        </p:txBody>
+      </p:sp>
+      <p:sp>
+        <p:nvSpPr>
+          <p:cNvPr id="4" name="Номер слайда 3"/>
+          <p:cNvSpPr>
+            <a:spLocks noGrp="1"/>
+          </p:cNvSpPr>
+          <p:nvPr>
+            <p:ph type="sldNum" sz="quarter" idx="12"/>
+          </p:nvPr>
+        </p:nvSpPr>
+        <p:spPr/>
+        <p:txBody>
+          <a:bodyPr/>
+          <a:lstStyle/>
+          <a:p>
+            <a:fld id="{B491C8E4-965C-47C5-86B5-2FEC2000E3F4}" type="slidenum">
+              <a:rPr lang="ru-RU" smtClean="0"/>
+              <a:pPr/>
+              <a:t>30</a:t>
+            </a:fld>
+            <a:endParaRPr lang="ru-RU" dirty="0"/>
+          </a:p>
+        </p:txBody>
+      </p:sp>
+      <p:sp>
+        <p:nvSpPr>
+          <p:cNvPr id="7" name="Нижний колонтитул 5"/>
+          <p:cNvSpPr>
+            <a:spLocks noGrp="1"/>
+          </p:cNvSpPr>
+          <p:nvPr>
+            <p:ph type="ftr" sz="quarter" idx="11"/>
+          </p:nvPr>
+        </p:nvSpPr>
+        <p:spPr>
+          <a:xfrm>
+            <a:off x="228600" y="6629400"/>
+            <a:ext cx="6172200" cy="228601"/>
+          </a:xfrm>
+        </p:spPr>
+        <p:txBody>
+          <a:bodyPr/>
+          <a:lstStyle/>
+          <a:p>
+            <a:r>
+              <a:rPr lang="en-US" b="1" dirty="0"/>
+              <a:t>ML-course.   </a:t>
+            </a:r>
+            <a:r>
+              <a:rPr lang="en-US" b="1" dirty="0" smtClean="0"/>
+              <a:t>Forecasting Time Series</a:t>
+            </a:r>
+            <a:r>
+              <a:rPr lang="en-US" dirty="0" smtClean="0"/>
+              <a:t> </a:t>
+            </a:r>
+            <a:endParaRPr lang="ru-RU" dirty="0"/>
+          </a:p>
+        </p:txBody>
+      </p:sp>
+    </p:spTree>
+    <p:extLst>
+      <p:ext uri="{BB962C8B-B14F-4D97-AF65-F5344CB8AC3E}">
+        <p14:creationId xmlns:p14="http://schemas.microsoft.com/office/powerpoint/2010/main" val="145354044"/>
       </p:ext>
     </p:extLst>
   </p:cSld>

--- a/lecture_timeseries/presentation/lecture_timeseries.pptx
+++ b/lecture_timeseries/presentation/lecture_timeseries.pptx
@@ -5,10 +5,10 @@
     <p:sldMasterId id="2147483648" r:id="rId1"/>
   </p:sldMasterIdLst>
   <p:notesMasterIdLst>
-    <p:notesMasterId r:id="rId33"/>
+    <p:notesMasterId r:id="rId34"/>
   </p:notesMasterIdLst>
   <p:handoutMasterIdLst>
-    <p:handoutMasterId r:id="rId34"/>
+    <p:handoutMasterId r:id="rId35"/>
   </p:handoutMasterIdLst>
   <p:sldIdLst>
     <p:sldId id="256" r:id="rId2"/>
@@ -41,7 +41,8 @@
     <p:sldId id="393" r:id="rId29"/>
     <p:sldId id="378" r:id="rId30"/>
     <p:sldId id="389" r:id="rId31"/>
-    <p:sldId id="294" r:id="rId32"/>
+    <p:sldId id="394" r:id="rId32"/>
+    <p:sldId id="294" r:id="rId33"/>
   </p:sldIdLst>
   <p:sldSz cx="9144000" cy="6858000" type="screen4x3"/>
   <p:notesSz cx="6858000" cy="9947275"/>
@@ -241,7 +242,7 @@
           <a:p>
             <a:fld id="{8CCD710B-DBEB-48B9-BE37-6CC35DC50D83}" type="datetimeFigureOut">
               <a:rPr lang="ru-RU" smtClean="0"/>
-              <a:t>07.06.2018</a:t>
+              <a:t>12.06.2018</a:t>
             </a:fld>
             <a:endParaRPr lang="ru-RU"/>
           </a:p>
@@ -406,7 +407,7 @@
           <a:p>
             <a:fld id="{599FBC4C-1749-4424-9522-1B6D127EF272}" type="datetimeFigureOut">
               <a:rPr lang="ru-RU" smtClean="0"/>
-              <a:t>07.06.2018</a:t>
+              <a:t>12.06.2018</a:t>
             </a:fld>
             <a:endParaRPr lang="ru-RU" dirty="0"/>
           </a:p>
@@ -8421,11 +8422,7 @@
             </a:r>
             <a:r>
               <a:rPr lang="en-US" sz="2400" dirty="0" smtClean="0"/>
-              <a:t> </a:t>
-            </a:r>
-            <a:r>
-              <a:rPr lang="en-US" sz="2400" dirty="0" smtClean="0"/>
-              <a:t>Integrated Moving </a:t>
+              <a:t> Integrated Moving </a:t>
             </a:r>
             <a:r>
               <a:rPr lang="en-US" sz="2400" dirty="0"/>
@@ -15581,6 +15578,1410 @@
       </p:grpSpPr>
       <p:sp>
         <p:nvSpPr>
+          <p:cNvPr id="8" name="Rectangle 2"/>
+          <p:cNvSpPr txBox="1">
+            <a:spLocks noGrp="1" noChangeArrowheads="1"/>
+          </p:cNvSpPr>
+          <p:nvPr>
+            <p:ph type="title"/>
+          </p:nvPr>
+        </p:nvSpPr>
+        <p:spPr>
+          <a:prstGeom prst="rect">
+            <a:avLst/>
+          </a:prstGeom>
+        </p:spPr>
+        <p:txBody>
+          <a:bodyPr vert="horz" lIns="91440" tIns="45720" rIns="91440" bIns="45720" rtlCol="0" anchor="ctr">
+            <a:normAutofit/>
+          </a:bodyPr>
+          <a:lstStyle>
+            <a:lvl1pPr algn="l" defTabSz="914400" rtl="0" eaLnBrk="1" latinLnBrk="0" hangingPunct="1">
+              <a:spcBef>
+                <a:spcPct val="0"/>
+              </a:spcBef>
+              <a:buNone/>
+              <a:defRPr sz="4400" b="0" kern="1200">
+                <a:solidFill>
+                  <a:srgbClr val="54759A"/>
+                </a:solidFill>
+                <a:effectLst/>
+                <a:latin typeface="Trebuchet MS" panose="020B0603020202020204" pitchFamily="34" charset="0"/>
+                <a:ea typeface="+mj-ea"/>
+                <a:cs typeface="+mj-cs"/>
+              </a:defRPr>
+            </a:lvl1pPr>
+          </a:lstStyle>
+          <a:p>
+            <a:r>
+              <a:rPr lang="en-US" b="1" dirty="0"/>
+              <a:t>Forecasting for TS</a:t>
+            </a:r>
+            <a:endParaRPr lang="en-US" altLang="be-BY" dirty="0"/>
+          </a:p>
+        </p:txBody>
+      </p:sp>
+      <p:sp>
+        <p:nvSpPr>
+          <p:cNvPr id="9" name="Номер слайда 3"/>
+          <p:cNvSpPr>
+            <a:spLocks noGrp="1"/>
+          </p:cNvSpPr>
+          <p:nvPr>
+            <p:ph type="sldNum" sz="quarter" idx="12"/>
+          </p:nvPr>
+        </p:nvSpPr>
+        <p:spPr>
+          <a:xfrm>
+            <a:off x="8381999" y="94079"/>
+            <a:ext cx="531395" cy="365125"/>
+          </a:xfrm>
+        </p:spPr>
+        <p:txBody>
+          <a:bodyPr/>
+          <a:lstStyle/>
+          <a:p>
+            <a:r>
+              <a:rPr lang="en-US" smtClean="0"/>
+              <a:t>22</a:t>
+            </a:r>
+            <a:endParaRPr lang="ru-RU" dirty="0"/>
+          </a:p>
+        </p:txBody>
+      </p:sp>
+      <p:sp>
+        <p:nvSpPr>
+          <p:cNvPr id="13" name="Заголовок 1"/>
+          <p:cNvSpPr txBox="1">
+            <a:spLocks/>
+          </p:cNvSpPr>
+          <p:nvPr/>
+        </p:nvSpPr>
+        <p:spPr>
+          <a:xfrm>
+            <a:off x="609600" y="2537993"/>
+            <a:ext cx="7924800" cy="491067"/>
+          </a:xfrm>
+          <a:prstGeom prst="rect">
+            <a:avLst/>
+          </a:prstGeom>
+        </p:spPr>
+        <p:txBody>
+          <a:bodyPr vert="horz" lIns="91440" tIns="45720" rIns="91440" bIns="45720" rtlCol="0" anchor="ctr">
+            <a:noAutofit/>
+          </a:bodyPr>
+          <a:lstStyle>
+            <a:lvl1pPr algn="l" defTabSz="914400" rtl="0" eaLnBrk="1" latinLnBrk="0" hangingPunct="1">
+              <a:spcBef>
+                <a:spcPct val="0"/>
+              </a:spcBef>
+              <a:buNone/>
+              <a:defRPr sz="4400" b="0" kern="1200">
+                <a:solidFill>
+                  <a:srgbClr val="54759A"/>
+                </a:solidFill>
+                <a:effectLst/>
+                <a:latin typeface="Trebuchet MS" panose="020B0603020202020204" pitchFamily="34" charset="0"/>
+                <a:ea typeface="+mj-ea"/>
+                <a:cs typeface="+mj-cs"/>
+              </a:defRPr>
+            </a:lvl1pPr>
+          </a:lstStyle>
+          <a:p>
+            <a:pPr algn="ctr"/>
+            <a:r>
+              <a:rPr lang="en-US" sz="3200" b="1" dirty="0" smtClean="0"/>
+              <a:t>Models comparison based on RMSE</a:t>
+            </a:r>
+            <a:endParaRPr lang="ru-RU" sz="3200" b="1" dirty="0"/>
+          </a:p>
+        </p:txBody>
+      </p:sp>
+      <p:graphicFrame>
+        <p:nvGraphicFramePr>
+          <p:cNvPr id="14" name="Объект 3"/>
+          <p:cNvGraphicFramePr>
+            <a:graphicFrameLocks noGrp="1"/>
+          </p:cNvGraphicFramePr>
+          <p:nvPr>
+            <p:ph idx="1"/>
+            <p:extLst>
+              <p:ext uri="{D42A27DB-BD31-4B8C-83A1-F6EECF244321}">
+                <p14:modId xmlns:p14="http://schemas.microsoft.com/office/powerpoint/2010/main" val="2444809825"/>
+              </p:ext>
+            </p:extLst>
+          </p:nvPr>
+        </p:nvGraphicFramePr>
+        <p:xfrm>
+          <a:off x="609600" y="3287250"/>
+          <a:ext cx="8151283" cy="3040380"/>
+        </p:xfrm>
+        <a:graphic>
+          <a:graphicData uri="http://schemas.openxmlformats.org/drawingml/2006/table">
+            <a:tbl>
+              <a:tblPr firstRow="1" bandRow="1">
+                <a:tableStyleId>{073A0DAA-6AF3-43AB-8588-CEC1D06C72B9}</a:tableStyleId>
+              </a:tblPr>
+              <a:tblGrid>
+                <a:gridCol w="6318322"/>
+                <a:gridCol w="1832961"/>
+              </a:tblGrid>
+              <a:tr h="278130">
+                <a:tc>
+                  <a:txBody>
+                    <a:bodyPr/>
+                    <a:lstStyle/>
+                    <a:p>
+                      <a:pPr marL="0" algn="l" defTabSz="914400" rtl="0" eaLnBrk="1" latinLnBrk="0" hangingPunct="1"/>
+                      <a:r>
+                        <a:rPr lang="en-US" sz="2400" b="1" kern="1200" dirty="0" smtClean="0">
+                          <a:solidFill>
+                            <a:schemeClr val="tx1"/>
+                          </a:solidFill>
+                          <a:latin typeface="Trebuchet MS" panose="020B0603020202020204" pitchFamily="34" charset="0"/>
+                          <a:ea typeface="+mn-ea"/>
+                          <a:cs typeface="+mn-cs"/>
+                        </a:rPr>
+                        <a:t>Model</a:t>
+                      </a:r>
+                      <a:endParaRPr lang="ru-RU" sz="2400" b="1" kern="1200" dirty="0">
+                        <a:solidFill>
+                          <a:schemeClr val="tx1"/>
+                        </a:solidFill>
+                        <a:latin typeface="Trebuchet MS" panose="020B0603020202020204" pitchFamily="34" charset="0"/>
+                        <a:ea typeface="+mn-ea"/>
+                        <a:cs typeface="+mn-cs"/>
+                      </a:endParaRPr>
+                    </a:p>
+                  </a:txBody>
+                  <a:tcPr marL="68580" marR="68580" marT="34290" marB="34290">
+                    <a:lnL w="12700" cap="flat" cmpd="sng" algn="ctr">
+                      <a:solidFill>
+                        <a:schemeClr val="tx1"/>
+                      </a:solidFill>
+                      <a:prstDash val="solid"/>
+                      <a:round/>
+                      <a:headEnd type="none" w="med" len="med"/>
+                      <a:tailEnd type="none" w="med" len="med"/>
+                    </a:lnL>
+                    <a:lnR w="12700" cap="flat" cmpd="sng" algn="ctr">
+                      <a:solidFill>
+                        <a:schemeClr val="tx1"/>
+                      </a:solidFill>
+                      <a:prstDash val="solid"/>
+                      <a:round/>
+                      <a:headEnd type="none" w="med" len="med"/>
+                      <a:tailEnd type="none" w="med" len="med"/>
+                    </a:lnR>
+                    <a:lnT w="12700" cap="flat" cmpd="sng" algn="ctr">
+                      <a:solidFill>
+                        <a:schemeClr val="tx1"/>
+                      </a:solidFill>
+                      <a:prstDash val="solid"/>
+                      <a:round/>
+                      <a:headEnd type="none" w="med" len="med"/>
+                      <a:tailEnd type="none" w="med" len="med"/>
+                    </a:lnT>
+                    <a:lnB w="12700" cap="flat" cmpd="sng" algn="ctr">
+                      <a:solidFill>
+                        <a:schemeClr val="tx1"/>
+                      </a:solidFill>
+                      <a:prstDash val="solid"/>
+                      <a:round/>
+                      <a:headEnd type="none" w="med" len="med"/>
+                      <a:tailEnd type="none" w="med" len="med"/>
+                    </a:lnB>
+                    <a:lnTlToBr w="12700" cmpd="sng">
+                      <a:noFill/>
+                      <a:prstDash val="solid"/>
+                    </a:lnTlToBr>
+                    <a:lnBlToTr w="12700" cmpd="sng">
+                      <a:noFill/>
+                      <a:prstDash val="solid"/>
+                    </a:lnBlToTr>
+                    <a:noFill/>
+                  </a:tcPr>
+                </a:tc>
+                <a:tc>
+                  <a:txBody>
+                    <a:bodyPr/>
+                    <a:lstStyle/>
+                    <a:p>
+                      <a:pPr marL="0" marR="0" indent="0" algn="l" defTabSz="914400" rtl="0" eaLnBrk="1" fontAlgn="auto" latinLnBrk="0" hangingPunct="1">
+                        <a:lnSpc>
+                          <a:spcPct val="100000"/>
+                        </a:lnSpc>
+                        <a:spcBef>
+                          <a:spcPts val="0"/>
+                        </a:spcBef>
+                        <a:spcAft>
+                          <a:spcPts val="0"/>
+                        </a:spcAft>
+                        <a:buClrTx/>
+                        <a:buSzTx/>
+                        <a:buFontTx/>
+                        <a:buNone/>
+                        <a:tabLst/>
+                        <a:defRPr/>
+                      </a:pPr>
+                      <a:r>
+                        <a:rPr lang="en-US" sz="2400" b="1" kern="1200" dirty="0" smtClean="0">
+                          <a:solidFill>
+                            <a:schemeClr val="tx1"/>
+                          </a:solidFill>
+                          <a:latin typeface="Trebuchet MS" panose="020B0603020202020204" pitchFamily="34" charset="0"/>
+                          <a:ea typeface="+mn-ea"/>
+                          <a:cs typeface="+mn-cs"/>
+                        </a:rPr>
+                        <a:t>Valid</a:t>
+                      </a:r>
+                      <a:endParaRPr lang="ru-RU" sz="2400" b="1" kern="1200" dirty="0">
+                        <a:solidFill>
+                          <a:schemeClr val="tx1"/>
+                        </a:solidFill>
+                        <a:latin typeface="Trebuchet MS" panose="020B0603020202020204" pitchFamily="34" charset="0"/>
+                        <a:ea typeface="+mn-ea"/>
+                        <a:cs typeface="+mn-cs"/>
+                      </a:endParaRPr>
+                    </a:p>
+                  </a:txBody>
+                  <a:tcPr marL="68580" marR="68580" marT="34290" marB="34290">
+                    <a:lnL w="12700" cap="flat" cmpd="sng" algn="ctr">
+                      <a:solidFill>
+                        <a:schemeClr val="tx1"/>
+                      </a:solidFill>
+                      <a:prstDash val="solid"/>
+                      <a:round/>
+                      <a:headEnd type="none" w="med" len="med"/>
+                      <a:tailEnd type="none" w="med" len="med"/>
+                    </a:lnL>
+                    <a:lnR w="12700" cap="flat" cmpd="sng" algn="ctr">
+                      <a:solidFill>
+                        <a:schemeClr val="tx1"/>
+                      </a:solidFill>
+                      <a:prstDash val="solid"/>
+                      <a:round/>
+                      <a:headEnd type="none" w="med" len="med"/>
+                      <a:tailEnd type="none" w="med" len="med"/>
+                    </a:lnR>
+                    <a:lnT w="12700" cap="flat" cmpd="sng" algn="ctr">
+                      <a:solidFill>
+                        <a:schemeClr val="tx1"/>
+                      </a:solidFill>
+                      <a:prstDash val="solid"/>
+                      <a:round/>
+                      <a:headEnd type="none" w="med" len="med"/>
+                      <a:tailEnd type="none" w="med" len="med"/>
+                    </a:lnT>
+                    <a:lnB w="12700" cap="flat" cmpd="sng" algn="ctr">
+                      <a:solidFill>
+                        <a:schemeClr val="tx1"/>
+                      </a:solidFill>
+                      <a:prstDash val="solid"/>
+                      <a:round/>
+                      <a:headEnd type="none" w="med" len="med"/>
+                      <a:tailEnd type="none" w="med" len="med"/>
+                    </a:lnB>
+                    <a:lnTlToBr w="12700" cmpd="sng">
+                      <a:noFill/>
+                      <a:prstDash val="solid"/>
+                    </a:lnTlToBr>
+                    <a:lnBlToTr w="12700" cmpd="sng">
+                      <a:noFill/>
+                      <a:prstDash val="solid"/>
+                    </a:lnBlToTr>
+                    <a:noFill/>
+                  </a:tcPr>
+                </a:tc>
+              </a:tr>
+              <a:tr h="278130">
+                <a:tc>
+                  <a:txBody>
+                    <a:bodyPr/>
+                    <a:lstStyle/>
+                    <a:p>
+                      <a:pPr marL="0" marR="0" lvl="0" indent="0" algn="l" defTabSz="914400" rtl="0" eaLnBrk="1" fontAlgn="auto" latinLnBrk="0" hangingPunct="1">
+                        <a:lnSpc>
+                          <a:spcPct val="100000"/>
+                        </a:lnSpc>
+                        <a:spcBef>
+                          <a:spcPts val="0"/>
+                        </a:spcBef>
+                        <a:spcAft>
+                          <a:spcPts val="0"/>
+                        </a:spcAft>
+                        <a:buClrTx/>
+                        <a:buSzTx/>
+                        <a:buFontTx/>
+                        <a:buNone/>
+                        <a:tabLst/>
+                        <a:defRPr/>
+                      </a:pPr>
+                      <a:r>
+                        <a:rPr lang="en-US" sz="2400" b="0" kern="1200" dirty="0" smtClean="0">
+                          <a:solidFill>
+                            <a:schemeClr val="tx1"/>
+                          </a:solidFill>
+                          <a:latin typeface="Trebuchet MS" panose="020B0603020202020204" pitchFamily="34" charset="0"/>
+                          <a:ea typeface="+mn-ea"/>
+                          <a:cs typeface="+mn-cs"/>
+                        </a:rPr>
+                        <a:t>Simple naive</a:t>
+                      </a:r>
+                    </a:p>
+                  </a:txBody>
+                  <a:tcPr marL="68580" marR="68580" marT="34290" marB="34290">
+                    <a:lnL w="12700" cap="flat" cmpd="sng" algn="ctr">
+                      <a:solidFill>
+                        <a:schemeClr val="tx1"/>
+                      </a:solidFill>
+                      <a:prstDash val="solid"/>
+                      <a:round/>
+                      <a:headEnd type="none" w="med" len="med"/>
+                      <a:tailEnd type="none" w="med" len="med"/>
+                    </a:lnL>
+                    <a:lnR w="12700" cap="flat" cmpd="sng" algn="ctr">
+                      <a:solidFill>
+                        <a:schemeClr val="tx1"/>
+                      </a:solidFill>
+                      <a:prstDash val="solid"/>
+                      <a:round/>
+                      <a:headEnd type="none" w="med" len="med"/>
+                      <a:tailEnd type="none" w="med" len="med"/>
+                    </a:lnR>
+                    <a:lnT w="12700" cap="flat" cmpd="sng" algn="ctr">
+                      <a:solidFill>
+                        <a:schemeClr val="tx1"/>
+                      </a:solidFill>
+                      <a:prstDash val="solid"/>
+                      <a:round/>
+                      <a:headEnd type="none" w="med" len="med"/>
+                      <a:tailEnd type="none" w="med" len="med"/>
+                    </a:lnT>
+                    <a:lnB w="12700" cap="flat" cmpd="sng" algn="ctr">
+                      <a:solidFill>
+                        <a:schemeClr val="tx1"/>
+                      </a:solidFill>
+                      <a:prstDash val="solid"/>
+                      <a:round/>
+                      <a:headEnd type="none" w="med" len="med"/>
+                      <a:tailEnd type="none" w="med" len="med"/>
+                    </a:lnB>
+                    <a:lnTlToBr w="12700" cmpd="sng">
+                      <a:noFill/>
+                      <a:prstDash val="solid"/>
+                    </a:lnTlToBr>
+                    <a:lnBlToTr w="12700" cmpd="sng">
+                      <a:noFill/>
+                      <a:prstDash val="solid"/>
+                    </a:lnBlToTr>
+                    <a:noFill/>
+                  </a:tcPr>
+                </a:tc>
+                <a:tc>
+                  <a:txBody>
+                    <a:bodyPr/>
+                    <a:lstStyle/>
+                    <a:p>
+                      <a:pPr marL="0" algn="l" defTabSz="914400" rtl="0" eaLnBrk="1" latinLnBrk="0" hangingPunct="1"/>
+                      <a:r>
+                        <a:rPr lang="ru-RU" sz="2400" b="0" kern="1200" dirty="0" smtClean="0">
+                          <a:solidFill>
+                            <a:schemeClr val="tx1"/>
+                          </a:solidFill>
+                          <a:latin typeface="Trebuchet MS" panose="020B0603020202020204" pitchFamily="34" charset="0"/>
+                          <a:ea typeface="+mn-ea"/>
+                          <a:cs typeface="+mn-cs"/>
+                        </a:rPr>
+                        <a:t>3186.501</a:t>
+                      </a:r>
+                      <a:endParaRPr lang="ru-RU" sz="2400" b="0" kern="1200" dirty="0">
+                        <a:solidFill>
+                          <a:schemeClr val="tx1"/>
+                        </a:solidFill>
+                        <a:latin typeface="Trebuchet MS" panose="020B0603020202020204" pitchFamily="34" charset="0"/>
+                        <a:ea typeface="+mn-ea"/>
+                        <a:cs typeface="+mn-cs"/>
+                      </a:endParaRPr>
+                    </a:p>
+                  </a:txBody>
+                  <a:tcPr marL="47625" marR="47625" marT="19050" marB="19050" anchor="ctr">
+                    <a:lnL w="12700" cap="flat" cmpd="sng" algn="ctr">
+                      <a:solidFill>
+                        <a:schemeClr val="tx1"/>
+                      </a:solidFill>
+                      <a:prstDash val="solid"/>
+                      <a:round/>
+                      <a:headEnd type="none" w="med" len="med"/>
+                      <a:tailEnd type="none" w="med" len="med"/>
+                    </a:lnL>
+                    <a:lnR w="12700" cap="flat" cmpd="sng" algn="ctr">
+                      <a:solidFill>
+                        <a:schemeClr val="tx1"/>
+                      </a:solidFill>
+                      <a:prstDash val="solid"/>
+                      <a:round/>
+                      <a:headEnd type="none" w="med" len="med"/>
+                      <a:tailEnd type="none" w="med" len="med"/>
+                    </a:lnR>
+                    <a:lnT w="12700" cap="flat" cmpd="sng" algn="ctr">
+                      <a:solidFill>
+                        <a:schemeClr val="tx1"/>
+                      </a:solidFill>
+                      <a:prstDash val="solid"/>
+                      <a:round/>
+                      <a:headEnd type="none" w="med" len="med"/>
+                      <a:tailEnd type="none" w="med" len="med"/>
+                    </a:lnT>
+                    <a:lnB w="12700" cap="flat" cmpd="sng" algn="ctr">
+                      <a:solidFill>
+                        <a:schemeClr val="tx1"/>
+                      </a:solidFill>
+                      <a:prstDash val="solid"/>
+                      <a:round/>
+                      <a:headEnd type="none" w="med" len="med"/>
+                      <a:tailEnd type="none" w="med" len="med"/>
+                    </a:lnB>
+                    <a:lnTlToBr w="12700" cmpd="sng">
+                      <a:noFill/>
+                      <a:prstDash val="solid"/>
+                    </a:lnTlToBr>
+                    <a:lnBlToTr w="12700" cmpd="sng">
+                      <a:noFill/>
+                      <a:prstDash val="solid"/>
+                    </a:lnBlToTr>
+                    <a:noFill/>
+                  </a:tcPr>
+                </a:tc>
+              </a:tr>
+              <a:tr h="278130">
+                <a:tc>
+                  <a:txBody>
+                    <a:bodyPr/>
+                    <a:lstStyle/>
+                    <a:p>
+                      <a:pPr marL="0" algn="l" defTabSz="914400" rtl="0" eaLnBrk="1" latinLnBrk="0" hangingPunct="1"/>
+                      <a:r>
+                        <a:rPr lang="en-US" sz="2400" b="0" kern="1200" dirty="0" smtClean="0">
+                          <a:solidFill>
+                            <a:schemeClr val="tx1"/>
+                          </a:solidFill>
+                          <a:latin typeface="Trebuchet MS" panose="020B0603020202020204" pitchFamily="34" charset="0"/>
+                          <a:ea typeface="+mn-ea"/>
+                          <a:cs typeface="+mn-cs"/>
+                        </a:rPr>
+                        <a:t>Naive with trend</a:t>
+                      </a:r>
+                      <a:endParaRPr lang="ru-RU" sz="2400" b="0" kern="1200" dirty="0">
+                        <a:solidFill>
+                          <a:schemeClr val="tx1"/>
+                        </a:solidFill>
+                        <a:latin typeface="Trebuchet MS" panose="020B0603020202020204" pitchFamily="34" charset="0"/>
+                        <a:ea typeface="+mn-ea"/>
+                        <a:cs typeface="+mn-cs"/>
+                      </a:endParaRPr>
+                    </a:p>
+                  </a:txBody>
+                  <a:tcPr marL="68580" marR="68580" marT="34290" marB="34290">
+                    <a:lnL w="12700" cap="flat" cmpd="sng" algn="ctr">
+                      <a:solidFill>
+                        <a:schemeClr val="tx1"/>
+                      </a:solidFill>
+                      <a:prstDash val="solid"/>
+                      <a:round/>
+                      <a:headEnd type="none" w="med" len="med"/>
+                      <a:tailEnd type="none" w="med" len="med"/>
+                    </a:lnL>
+                    <a:lnR w="12700" cap="flat" cmpd="sng" algn="ctr">
+                      <a:solidFill>
+                        <a:schemeClr val="tx1"/>
+                      </a:solidFill>
+                      <a:prstDash val="solid"/>
+                      <a:round/>
+                      <a:headEnd type="none" w="med" len="med"/>
+                      <a:tailEnd type="none" w="med" len="med"/>
+                    </a:lnR>
+                    <a:lnT w="12700" cap="flat" cmpd="sng" algn="ctr">
+                      <a:solidFill>
+                        <a:schemeClr val="tx1"/>
+                      </a:solidFill>
+                      <a:prstDash val="solid"/>
+                      <a:round/>
+                      <a:headEnd type="none" w="med" len="med"/>
+                      <a:tailEnd type="none" w="med" len="med"/>
+                    </a:lnT>
+                    <a:lnB w="12700" cap="flat" cmpd="sng" algn="ctr">
+                      <a:solidFill>
+                        <a:schemeClr val="tx1"/>
+                      </a:solidFill>
+                      <a:prstDash val="solid"/>
+                      <a:round/>
+                      <a:headEnd type="none" w="med" len="med"/>
+                      <a:tailEnd type="none" w="med" len="med"/>
+                    </a:lnB>
+                    <a:lnTlToBr w="12700" cmpd="sng">
+                      <a:noFill/>
+                      <a:prstDash val="solid"/>
+                    </a:lnTlToBr>
+                    <a:lnBlToTr w="12700" cmpd="sng">
+                      <a:noFill/>
+                      <a:prstDash val="solid"/>
+                    </a:lnBlToTr>
+                    <a:noFill/>
+                  </a:tcPr>
+                </a:tc>
+                <a:tc>
+                  <a:txBody>
+                    <a:bodyPr/>
+                    <a:lstStyle/>
+                    <a:p>
+                      <a:pPr marL="0" marR="0" indent="0" algn="l" defTabSz="914400" rtl="0" eaLnBrk="1" fontAlgn="auto" latinLnBrk="0" hangingPunct="1">
+                        <a:lnSpc>
+                          <a:spcPct val="100000"/>
+                        </a:lnSpc>
+                        <a:spcBef>
+                          <a:spcPts val="0"/>
+                        </a:spcBef>
+                        <a:spcAft>
+                          <a:spcPts val="0"/>
+                        </a:spcAft>
+                        <a:buClrTx/>
+                        <a:buSzTx/>
+                        <a:buFontTx/>
+                        <a:buNone/>
+                        <a:tabLst/>
+                        <a:defRPr/>
+                      </a:pPr>
+                      <a:endParaRPr lang="ru-RU" sz="2400" b="0" kern="1200" dirty="0">
+                        <a:solidFill>
+                          <a:schemeClr val="tx1"/>
+                        </a:solidFill>
+                        <a:latin typeface="Trebuchet MS" panose="020B0603020202020204" pitchFamily="34" charset="0"/>
+                        <a:ea typeface="+mn-ea"/>
+                        <a:cs typeface="+mn-cs"/>
+                      </a:endParaRPr>
+                    </a:p>
+                  </a:txBody>
+                  <a:tcPr marL="68580" marR="68580" marT="34290" marB="34290">
+                    <a:lnL w="12700" cap="flat" cmpd="sng" algn="ctr">
+                      <a:solidFill>
+                        <a:schemeClr val="tx1"/>
+                      </a:solidFill>
+                      <a:prstDash val="solid"/>
+                      <a:round/>
+                      <a:headEnd type="none" w="med" len="med"/>
+                      <a:tailEnd type="none" w="med" len="med"/>
+                    </a:lnL>
+                    <a:lnR w="12700" cap="flat" cmpd="sng" algn="ctr">
+                      <a:solidFill>
+                        <a:schemeClr val="tx1"/>
+                      </a:solidFill>
+                      <a:prstDash val="solid"/>
+                      <a:round/>
+                      <a:headEnd type="none" w="med" len="med"/>
+                      <a:tailEnd type="none" w="med" len="med"/>
+                    </a:lnR>
+                    <a:lnT w="12700" cap="flat" cmpd="sng" algn="ctr">
+                      <a:solidFill>
+                        <a:schemeClr val="tx1"/>
+                      </a:solidFill>
+                      <a:prstDash val="solid"/>
+                      <a:round/>
+                      <a:headEnd type="none" w="med" len="med"/>
+                      <a:tailEnd type="none" w="med" len="med"/>
+                    </a:lnT>
+                    <a:lnB w="12700" cap="flat" cmpd="sng" algn="ctr">
+                      <a:solidFill>
+                        <a:schemeClr val="tx1"/>
+                      </a:solidFill>
+                      <a:prstDash val="solid"/>
+                      <a:round/>
+                      <a:headEnd type="none" w="med" len="med"/>
+                      <a:tailEnd type="none" w="med" len="med"/>
+                    </a:lnB>
+                    <a:lnTlToBr w="12700" cmpd="sng">
+                      <a:noFill/>
+                      <a:prstDash val="solid"/>
+                    </a:lnTlToBr>
+                    <a:lnBlToTr w="12700" cmpd="sng">
+                      <a:noFill/>
+                      <a:prstDash val="solid"/>
+                    </a:lnBlToTr>
+                    <a:noFill/>
+                  </a:tcPr>
+                </a:tc>
+              </a:tr>
+              <a:tr h="278130">
+                <a:tc>
+                  <a:txBody>
+                    <a:bodyPr/>
+                    <a:lstStyle/>
+                    <a:p>
+                      <a:pPr marL="0" marR="0" indent="0" algn="l" defTabSz="914400" rtl="0" eaLnBrk="1" fontAlgn="auto" latinLnBrk="0" hangingPunct="1">
+                        <a:lnSpc>
+                          <a:spcPct val="100000"/>
+                        </a:lnSpc>
+                        <a:spcBef>
+                          <a:spcPts val="0"/>
+                        </a:spcBef>
+                        <a:spcAft>
+                          <a:spcPts val="0"/>
+                        </a:spcAft>
+                        <a:buClrTx/>
+                        <a:buSzTx/>
+                        <a:buFontTx/>
+                        <a:buNone/>
+                        <a:tabLst/>
+                        <a:defRPr/>
+                      </a:pPr>
+                      <a:r>
+                        <a:rPr lang="en-US" sz="2400" b="0" kern="1200" dirty="0" smtClean="0">
+                          <a:solidFill>
+                            <a:schemeClr val="tx1"/>
+                          </a:solidFill>
+                          <a:latin typeface="Trebuchet MS" panose="020B0603020202020204" pitchFamily="34" charset="0"/>
+                          <a:ea typeface="+mn-ea"/>
+                          <a:cs typeface="+mn-cs"/>
+                        </a:rPr>
+                        <a:t>Naive with seasonality</a:t>
+                      </a:r>
+                      <a:endParaRPr lang="ru-RU" sz="2400" b="0" kern="1200" dirty="0">
+                        <a:solidFill>
+                          <a:schemeClr val="tx1"/>
+                        </a:solidFill>
+                        <a:latin typeface="Trebuchet MS" panose="020B0603020202020204" pitchFamily="34" charset="0"/>
+                        <a:ea typeface="+mn-ea"/>
+                        <a:cs typeface="+mn-cs"/>
+                      </a:endParaRPr>
+                    </a:p>
+                  </a:txBody>
+                  <a:tcPr marL="68580" marR="68580" marT="34290" marB="34290">
+                    <a:lnL w="12700" cap="flat" cmpd="sng" algn="ctr">
+                      <a:solidFill>
+                        <a:schemeClr val="tx1"/>
+                      </a:solidFill>
+                      <a:prstDash val="solid"/>
+                      <a:round/>
+                      <a:headEnd type="none" w="med" len="med"/>
+                      <a:tailEnd type="none" w="med" len="med"/>
+                    </a:lnL>
+                    <a:lnR w="12700" cap="flat" cmpd="sng" algn="ctr">
+                      <a:solidFill>
+                        <a:schemeClr val="tx1"/>
+                      </a:solidFill>
+                      <a:prstDash val="solid"/>
+                      <a:round/>
+                      <a:headEnd type="none" w="med" len="med"/>
+                      <a:tailEnd type="none" w="med" len="med"/>
+                    </a:lnR>
+                    <a:lnT w="12700" cap="flat" cmpd="sng" algn="ctr">
+                      <a:solidFill>
+                        <a:schemeClr val="tx1"/>
+                      </a:solidFill>
+                      <a:prstDash val="solid"/>
+                      <a:round/>
+                      <a:headEnd type="none" w="med" len="med"/>
+                      <a:tailEnd type="none" w="med" len="med"/>
+                    </a:lnT>
+                    <a:lnB w="12700" cap="flat" cmpd="sng" algn="ctr">
+                      <a:solidFill>
+                        <a:schemeClr val="tx1"/>
+                      </a:solidFill>
+                      <a:prstDash val="solid"/>
+                      <a:round/>
+                      <a:headEnd type="none" w="med" len="med"/>
+                      <a:tailEnd type="none" w="med" len="med"/>
+                    </a:lnB>
+                    <a:lnTlToBr w="12700" cmpd="sng">
+                      <a:noFill/>
+                      <a:prstDash val="solid"/>
+                    </a:lnTlToBr>
+                    <a:lnBlToTr w="12700" cmpd="sng">
+                      <a:noFill/>
+                      <a:prstDash val="solid"/>
+                    </a:lnBlToTr>
+                    <a:noFill/>
+                  </a:tcPr>
+                </a:tc>
+                <a:tc>
+                  <a:txBody>
+                    <a:bodyPr/>
+                    <a:lstStyle/>
+                    <a:p>
+                      <a:pPr marL="0" algn="l" defTabSz="914400" rtl="0" eaLnBrk="1" latinLnBrk="0" hangingPunct="1"/>
+                      <a:endParaRPr lang="ru-RU" sz="2400" b="0" kern="1200" dirty="0">
+                        <a:solidFill>
+                          <a:schemeClr val="tx1"/>
+                        </a:solidFill>
+                        <a:latin typeface="Trebuchet MS" panose="020B0603020202020204" pitchFamily="34" charset="0"/>
+                        <a:ea typeface="+mn-ea"/>
+                        <a:cs typeface="+mn-cs"/>
+                      </a:endParaRPr>
+                    </a:p>
+                  </a:txBody>
+                  <a:tcPr marL="68580" marR="68580" marT="34290" marB="34290">
+                    <a:lnL w="12700" cap="flat" cmpd="sng" algn="ctr">
+                      <a:solidFill>
+                        <a:schemeClr val="tx1"/>
+                      </a:solidFill>
+                      <a:prstDash val="solid"/>
+                      <a:round/>
+                      <a:headEnd type="none" w="med" len="med"/>
+                      <a:tailEnd type="none" w="med" len="med"/>
+                    </a:lnL>
+                    <a:lnR w="12700" cap="flat" cmpd="sng" algn="ctr">
+                      <a:solidFill>
+                        <a:schemeClr val="tx1"/>
+                      </a:solidFill>
+                      <a:prstDash val="solid"/>
+                      <a:round/>
+                      <a:headEnd type="none" w="med" len="med"/>
+                      <a:tailEnd type="none" w="med" len="med"/>
+                    </a:lnR>
+                    <a:lnT w="12700" cap="flat" cmpd="sng" algn="ctr">
+                      <a:solidFill>
+                        <a:schemeClr val="tx1"/>
+                      </a:solidFill>
+                      <a:prstDash val="solid"/>
+                      <a:round/>
+                      <a:headEnd type="none" w="med" len="med"/>
+                      <a:tailEnd type="none" w="med" len="med"/>
+                    </a:lnT>
+                    <a:lnB w="12700" cap="flat" cmpd="sng" algn="ctr">
+                      <a:solidFill>
+                        <a:schemeClr val="tx1"/>
+                      </a:solidFill>
+                      <a:prstDash val="solid"/>
+                      <a:round/>
+                      <a:headEnd type="none" w="med" len="med"/>
+                      <a:tailEnd type="none" w="med" len="med"/>
+                    </a:lnB>
+                    <a:lnTlToBr w="12700" cmpd="sng">
+                      <a:noFill/>
+                      <a:prstDash val="solid"/>
+                    </a:lnTlToBr>
+                    <a:lnBlToTr w="12700" cmpd="sng">
+                      <a:noFill/>
+                      <a:prstDash val="solid"/>
+                    </a:lnBlToTr>
+                    <a:noFill/>
+                  </a:tcPr>
+                </a:tc>
+              </a:tr>
+              <a:tr h="278130">
+                <a:tc>
+                  <a:txBody>
+                    <a:bodyPr/>
+                    <a:lstStyle/>
+                    <a:p>
+                      <a:pPr marL="0" marR="0" indent="0" algn="l" defTabSz="914400" rtl="0" eaLnBrk="1" fontAlgn="auto" latinLnBrk="0" hangingPunct="1">
+                        <a:lnSpc>
+                          <a:spcPct val="100000"/>
+                        </a:lnSpc>
+                        <a:spcBef>
+                          <a:spcPts val="0"/>
+                        </a:spcBef>
+                        <a:spcAft>
+                          <a:spcPts val="0"/>
+                        </a:spcAft>
+                        <a:buClrTx/>
+                        <a:buSzTx/>
+                        <a:buFontTx/>
+                        <a:buNone/>
+                        <a:tabLst/>
+                        <a:defRPr/>
+                      </a:pPr>
+                      <a:r>
+                        <a:rPr lang="en-US" sz="2400" b="0" kern="1200" dirty="0" smtClean="0">
+                          <a:solidFill>
+                            <a:schemeClr val="tx1"/>
+                          </a:solidFill>
+                          <a:latin typeface="Trebuchet MS" panose="020B0603020202020204" pitchFamily="34" charset="0"/>
+                          <a:ea typeface="+mn-ea"/>
+                          <a:cs typeface="+mn-cs"/>
+                        </a:rPr>
+                        <a:t>Naive with trend and seasonality</a:t>
+                      </a:r>
+                      <a:endParaRPr lang="ru-RU" sz="2400" b="0" kern="1200" dirty="0">
+                        <a:solidFill>
+                          <a:schemeClr val="tx1"/>
+                        </a:solidFill>
+                        <a:latin typeface="Trebuchet MS" panose="020B0603020202020204" pitchFamily="34" charset="0"/>
+                        <a:ea typeface="+mn-ea"/>
+                        <a:cs typeface="+mn-cs"/>
+                      </a:endParaRPr>
+                    </a:p>
+                  </a:txBody>
+                  <a:tcPr marL="68580" marR="68580" marT="34290" marB="34290">
+                    <a:lnL w="12700" cap="flat" cmpd="sng" algn="ctr">
+                      <a:solidFill>
+                        <a:schemeClr val="tx1"/>
+                      </a:solidFill>
+                      <a:prstDash val="solid"/>
+                      <a:round/>
+                      <a:headEnd type="none" w="med" len="med"/>
+                      <a:tailEnd type="none" w="med" len="med"/>
+                    </a:lnL>
+                    <a:lnR w="12700" cap="flat" cmpd="sng" algn="ctr">
+                      <a:solidFill>
+                        <a:schemeClr val="tx1"/>
+                      </a:solidFill>
+                      <a:prstDash val="solid"/>
+                      <a:round/>
+                      <a:headEnd type="none" w="med" len="med"/>
+                      <a:tailEnd type="none" w="med" len="med"/>
+                    </a:lnR>
+                    <a:lnT w="12700" cap="flat" cmpd="sng" algn="ctr">
+                      <a:solidFill>
+                        <a:schemeClr val="tx1"/>
+                      </a:solidFill>
+                      <a:prstDash val="solid"/>
+                      <a:round/>
+                      <a:headEnd type="none" w="med" len="med"/>
+                      <a:tailEnd type="none" w="med" len="med"/>
+                    </a:lnT>
+                    <a:lnB w="12700" cap="flat" cmpd="sng" algn="ctr">
+                      <a:solidFill>
+                        <a:schemeClr val="tx1"/>
+                      </a:solidFill>
+                      <a:prstDash val="solid"/>
+                      <a:round/>
+                      <a:headEnd type="none" w="med" len="med"/>
+                      <a:tailEnd type="none" w="med" len="med"/>
+                    </a:lnB>
+                    <a:lnTlToBr w="12700" cmpd="sng">
+                      <a:noFill/>
+                      <a:prstDash val="solid"/>
+                    </a:lnTlToBr>
+                    <a:lnBlToTr w="12700" cmpd="sng">
+                      <a:noFill/>
+                      <a:prstDash val="solid"/>
+                    </a:lnBlToTr>
+                    <a:noFill/>
+                  </a:tcPr>
+                </a:tc>
+                <a:tc>
+                  <a:txBody>
+                    <a:bodyPr/>
+                    <a:lstStyle/>
+                    <a:p>
+                      <a:pPr marL="0" algn="l" defTabSz="914400" rtl="0" eaLnBrk="1" latinLnBrk="0" hangingPunct="1"/>
+                      <a:endParaRPr lang="ru-RU" sz="2400" b="0" kern="1200" dirty="0">
+                        <a:solidFill>
+                          <a:schemeClr val="tx1"/>
+                        </a:solidFill>
+                        <a:latin typeface="Trebuchet MS" panose="020B0603020202020204" pitchFamily="34" charset="0"/>
+                        <a:ea typeface="+mn-ea"/>
+                        <a:cs typeface="+mn-cs"/>
+                      </a:endParaRPr>
+                    </a:p>
+                  </a:txBody>
+                  <a:tcPr marL="68580" marR="68580" marT="34290" marB="34290">
+                    <a:lnL w="12700" cap="flat" cmpd="sng" algn="ctr">
+                      <a:solidFill>
+                        <a:schemeClr val="tx1"/>
+                      </a:solidFill>
+                      <a:prstDash val="solid"/>
+                      <a:round/>
+                      <a:headEnd type="none" w="med" len="med"/>
+                      <a:tailEnd type="none" w="med" len="med"/>
+                    </a:lnL>
+                    <a:lnR w="12700" cap="flat" cmpd="sng" algn="ctr">
+                      <a:solidFill>
+                        <a:schemeClr val="tx1"/>
+                      </a:solidFill>
+                      <a:prstDash val="solid"/>
+                      <a:round/>
+                      <a:headEnd type="none" w="med" len="med"/>
+                      <a:tailEnd type="none" w="med" len="med"/>
+                    </a:lnR>
+                    <a:lnT w="12700" cap="flat" cmpd="sng" algn="ctr">
+                      <a:solidFill>
+                        <a:schemeClr val="tx1"/>
+                      </a:solidFill>
+                      <a:prstDash val="solid"/>
+                      <a:round/>
+                      <a:headEnd type="none" w="med" len="med"/>
+                      <a:tailEnd type="none" w="med" len="med"/>
+                    </a:lnT>
+                    <a:lnB w="12700" cap="flat" cmpd="sng" algn="ctr">
+                      <a:solidFill>
+                        <a:schemeClr val="tx1"/>
+                      </a:solidFill>
+                      <a:prstDash val="solid"/>
+                      <a:round/>
+                      <a:headEnd type="none" w="med" len="med"/>
+                      <a:tailEnd type="none" w="med" len="med"/>
+                    </a:lnB>
+                    <a:lnTlToBr w="12700" cmpd="sng">
+                      <a:noFill/>
+                      <a:prstDash val="solid"/>
+                    </a:lnTlToBr>
+                    <a:lnBlToTr w="12700" cmpd="sng">
+                      <a:noFill/>
+                      <a:prstDash val="solid"/>
+                    </a:lnBlToTr>
+                    <a:noFill/>
+                  </a:tcPr>
+                </a:tc>
+              </a:tr>
+              <a:tr h="278130">
+                <a:tc>
+                  <a:txBody>
+                    <a:bodyPr/>
+                    <a:lstStyle/>
+                    <a:p>
+                      <a:pPr marL="0" marR="0" indent="0" algn="l" defTabSz="914400" rtl="0" eaLnBrk="1" fontAlgn="auto" latinLnBrk="0" hangingPunct="1">
+                        <a:lnSpc>
+                          <a:spcPct val="100000"/>
+                        </a:lnSpc>
+                        <a:spcBef>
+                          <a:spcPts val="0"/>
+                        </a:spcBef>
+                        <a:spcAft>
+                          <a:spcPts val="0"/>
+                        </a:spcAft>
+                        <a:buClrTx/>
+                        <a:buSzTx/>
+                        <a:buFontTx/>
+                        <a:buNone/>
+                        <a:tabLst/>
+                        <a:defRPr/>
+                      </a:pPr>
+                      <a:r>
+                        <a:rPr lang="en-US" sz="2400" b="0" kern="1200" dirty="0" smtClean="0">
+                          <a:solidFill>
+                            <a:schemeClr val="tx1"/>
+                          </a:solidFill>
+                          <a:latin typeface="Trebuchet MS" panose="020B0603020202020204" pitchFamily="34" charset="0"/>
+                          <a:ea typeface="+mn-ea"/>
+                          <a:cs typeface="+mn-cs"/>
+                        </a:rPr>
+                        <a:t>ARIMA(1,1,1)</a:t>
+                      </a:r>
+                      <a:endParaRPr lang="ru-RU" sz="2400" b="0" kern="1200" dirty="0" smtClean="0">
+                        <a:solidFill>
+                          <a:schemeClr val="tx1"/>
+                        </a:solidFill>
+                        <a:latin typeface="Trebuchet MS" panose="020B0603020202020204" pitchFamily="34" charset="0"/>
+                        <a:ea typeface="+mn-ea"/>
+                        <a:cs typeface="+mn-cs"/>
+                      </a:endParaRPr>
+                    </a:p>
+                  </a:txBody>
+                  <a:tcPr marL="68580" marR="68580" marT="34290" marB="34290">
+                    <a:lnL w="12700" cap="flat" cmpd="sng" algn="ctr">
+                      <a:solidFill>
+                        <a:schemeClr val="tx1"/>
+                      </a:solidFill>
+                      <a:prstDash val="solid"/>
+                      <a:round/>
+                      <a:headEnd type="none" w="med" len="med"/>
+                      <a:tailEnd type="none" w="med" len="med"/>
+                    </a:lnL>
+                    <a:lnR w="12700" cap="flat" cmpd="sng" algn="ctr">
+                      <a:solidFill>
+                        <a:schemeClr val="tx1"/>
+                      </a:solidFill>
+                      <a:prstDash val="solid"/>
+                      <a:round/>
+                      <a:headEnd type="none" w="med" len="med"/>
+                      <a:tailEnd type="none" w="med" len="med"/>
+                    </a:lnR>
+                    <a:lnT w="12700" cap="flat" cmpd="sng" algn="ctr">
+                      <a:solidFill>
+                        <a:schemeClr val="tx1"/>
+                      </a:solidFill>
+                      <a:prstDash val="solid"/>
+                      <a:round/>
+                      <a:headEnd type="none" w="med" len="med"/>
+                      <a:tailEnd type="none" w="med" len="med"/>
+                    </a:lnT>
+                    <a:lnB w="12700" cap="flat" cmpd="sng" algn="ctr">
+                      <a:solidFill>
+                        <a:schemeClr val="tx1"/>
+                      </a:solidFill>
+                      <a:prstDash val="solid"/>
+                      <a:round/>
+                      <a:headEnd type="none" w="med" len="med"/>
+                      <a:tailEnd type="none" w="med" len="med"/>
+                    </a:lnB>
+                    <a:lnTlToBr w="12700" cmpd="sng">
+                      <a:noFill/>
+                      <a:prstDash val="solid"/>
+                    </a:lnTlToBr>
+                    <a:lnBlToTr w="12700" cmpd="sng">
+                      <a:noFill/>
+                      <a:prstDash val="solid"/>
+                    </a:lnBlToTr>
+                    <a:noFill/>
+                  </a:tcPr>
+                </a:tc>
+                <a:tc>
+                  <a:txBody>
+                    <a:bodyPr/>
+                    <a:lstStyle/>
+                    <a:p>
+                      <a:pPr marL="0" algn="l" defTabSz="914400" rtl="0" eaLnBrk="1" latinLnBrk="0" hangingPunct="1"/>
+                      <a:r>
+                        <a:rPr lang="ru-RU" sz="2400" b="0" kern="1200" dirty="0" smtClean="0">
+                          <a:solidFill>
+                            <a:schemeClr val="tx1"/>
+                          </a:solidFill>
+                          <a:latin typeface="Trebuchet MS" panose="020B0603020202020204" pitchFamily="34" charset="0"/>
+                          <a:ea typeface="+mn-ea"/>
+                          <a:cs typeface="+mn-cs"/>
+                        </a:rPr>
+                        <a:t>951.260</a:t>
+                      </a:r>
+                      <a:endParaRPr lang="ru-RU" sz="2400" b="0" kern="1200" dirty="0">
+                        <a:solidFill>
+                          <a:schemeClr val="tx1"/>
+                        </a:solidFill>
+                        <a:latin typeface="Trebuchet MS" panose="020B0603020202020204" pitchFamily="34" charset="0"/>
+                        <a:ea typeface="+mn-ea"/>
+                        <a:cs typeface="+mn-cs"/>
+                      </a:endParaRPr>
+                    </a:p>
+                  </a:txBody>
+                  <a:tcPr marL="68580" marR="68580" marT="34290" marB="34290">
+                    <a:lnL w="12700" cap="flat" cmpd="sng" algn="ctr">
+                      <a:solidFill>
+                        <a:schemeClr val="tx1"/>
+                      </a:solidFill>
+                      <a:prstDash val="solid"/>
+                      <a:round/>
+                      <a:headEnd type="none" w="med" len="med"/>
+                      <a:tailEnd type="none" w="med" len="med"/>
+                    </a:lnL>
+                    <a:lnR w="12700" cap="flat" cmpd="sng" algn="ctr">
+                      <a:solidFill>
+                        <a:schemeClr val="tx1"/>
+                      </a:solidFill>
+                      <a:prstDash val="solid"/>
+                      <a:round/>
+                      <a:headEnd type="none" w="med" len="med"/>
+                      <a:tailEnd type="none" w="med" len="med"/>
+                    </a:lnR>
+                    <a:lnT w="12700" cap="flat" cmpd="sng" algn="ctr">
+                      <a:solidFill>
+                        <a:schemeClr val="tx1"/>
+                      </a:solidFill>
+                      <a:prstDash val="solid"/>
+                      <a:round/>
+                      <a:headEnd type="none" w="med" len="med"/>
+                      <a:tailEnd type="none" w="med" len="med"/>
+                    </a:lnT>
+                    <a:lnB w="12700" cap="flat" cmpd="sng" algn="ctr">
+                      <a:solidFill>
+                        <a:schemeClr val="tx1"/>
+                      </a:solidFill>
+                      <a:prstDash val="solid"/>
+                      <a:round/>
+                      <a:headEnd type="none" w="med" len="med"/>
+                      <a:tailEnd type="none" w="med" len="med"/>
+                    </a:lnB>
+                    <a:lnTlToBr w="12700" cmpd="sng">
+                      <a:noFill/>
+                      <a:prstDash val="solid"/>
+                    </a:lnTlToBr>
+                    <a:lnBlToTr w="12700" cmpd="sng">
+                      <a:noFill/>
+                      <a:prstDash val="solid"/>
+                    </a:lnBlToTr>
+                    <a:noFill/>
+                  </a:tcPr>
+                </a:tc>
+              </a:tr>
+              <a:tr h="278130">
+                <a:tc>
+                  <a:txBody>
+                    <a:bodyPr/>
+                    <a:lstStyle/>
+                    <a:p>
+                      <a:pPr marL="0" marR="0" indent="0" algn="l" defTabSz="914400" rtl="0" eaLnBrk="1" fontAlgn="auto" latinLnBrk="0" hangingPunct="1">
+                        <a:lnSpc>
+                          <a:spcPct val="100000"/>
+                        </a:lnSpc>
+                        <a:spcBef>
+                          <a:spcPts val="0"/>
+                        </a:spcBef>
+                        <a:spcAft>
+                          <a:spcPts val="0"/>
+                        </a:spcAft>
+                        <a:buClrTx/>
+                        <a:buSzTx/>
+                        <a:buFontTx/>
+                        <a:buNone/>
+                        <a:tabLst/>
+                        <a:defRPr/>
+                      </a:pPr>
+                      <a:r>
+                        <a:rPr lang="en-US" sz="2400" b="0" kern="1200" dirty="0" smtClean="0">
+                          <a:solidFill>
+                            <a:schemeClr val="tx1"/>
+                          </a:solidFill>
+                          <a:latin typeface="Trebuchet MS" panose="020B0603020202020204" pitchFamily="34" charset="0"/>
+                          <a:ea typeface="+mn-ea"/>
+                          <a:cs typeface="+mn-cs"/>
+                        </a:rPr>
+                        <a:t>Best grid result – ARIMA(0,0,1)</a:t>
+                      </a:r>
+                      <a:endParaRPr lang="ru-RU" sz="2400" b="0" kern="1200" dirty="0" smtClean="0">
+                        <a:solidFill>
+                          <a:schemeClr val="tx1"/>
+                        </a:solidFill>
+                        <a:latin typeface="Trebuchet MS" panose="020B0603020202020204" pitchFamily="34" charset="0"/>
+                        <a:ea typeface="+mn-ea"/>
+                        <a:cs typeface="+mn-cs"/>
+                      </a:endParaRPr>
+                    </a:p>
+                  </a:txBody>
+                  <a:tcPr marL="68580" marR="68580" marT="34290" marB="34290">
+                    <a:lnL w="12700" cap="flat" cmpd="sng" algn="ctr">
+                      <a:solidFill>
+                        <a:schemeClr val="tx1"/>
+                      </a:solidFill>
+                      <a:prstDash val="solid"/>
+                      <a:round/>
+                      <a:headEnd type="none" w="med" len="med"/>
+                      <a:tailEnd type="none" w="med" len="med"/>
+                    </a:lnL>
+                    <a:lnR w="12700" cap="flat" cmpd="sng" algn="ctr">
+                      <a:solidFill>
+                        <a:schemeClr val="tx1"/>
+                      </a:solidFill>
+                      <a:prstDash val="solid"/>
+                      <a:round/>
+                      <a:headEnd type="none" w="med" len="med"/>
+                      <a:tailEnd type="none" w="med" len="med"/>
+                    </a:lnR>
+                    <a:lnT w="12700" cap="flat" cmpd="sng" algn="ctr">
+                      <a:solidFill>
+                        <a:schemeClr val="tx1"/>
+                      </a:solidFill>
+                      <a:prstDash val="solid"/>
+                      <a:round/>
+                      <a:headEnd type="none" w="med" len="med"/>
+                      <a:tailEnd type="none" w="med" len="med"/>
+                    </a:lnT>
+                    <a:lnB w="12700" cap="flat" cmpd="sng" algn="ctr">
+                      <a:solidFill>
+                        <a:schemeClr val="tx1"/>
+                      </a:solidFill>
+                      <a:prstDash val="solid"/>
+                      <a:round/>
+                      <a:headEnd type="none" w="med" len="med"/>
+                      <a:tailEnd type="none" w="med" len="med"/>
+                    </a:lnB>
+                    <a:lnTlToBr w="12700" cmpd="sng">
+                      <a:noFill/>
+                      <a:prstDash val="solid"/>
+                    </a:lnTlToBr>
+                    <a:lnBlToTr w="12700" cmpd="sng">
+                      <a:noFill/>
+                      <a:prstDash val="solid"/>
+                    </a:lnBlToTr>
+                    <a:noFill/>
+                  </a:tcPr>
+                </a:tc>
+                <a:tc>
+                  <a:txBody>
+                    <a:bodyPr/>
+                    <a:lstStyle/>
+                    <a:p>
+                      <a:pPr marL="0" algn="l" defTabSz="914400" rtl="0" eaLnBrk="1" latinLnBrk="0" hangingPunct="1"/>
+                      <a:endParaRPr lang="ru-RU" sz="2400" b="0" kern="1200" dirty="0">
+                        <a:solidFill>
+                          <a:schemeClr val="tx1"/>
+                        </a:solidFill>
+                        <a:latin typeface="Trebuchet MS" panose="020B0603020202020204" pitchFamily="34" charset="0"/>
+                        <a:ea typeface="+mn-ea"/>
+                        <a:cs typeface="+mn-cs"/>
+                      </a:endParaRPr>
+                    </a:p>
+                  </a:txBody>
+                  <a:tcPr marL="68580" marR="68580" marT="34290" marB="34290">
+                    <a:lnL w="12700" cap="flat" cmpd="sng" algn="ctr">
+                      <a:solidFill>
+                        <a:schemeClr val="tx1"/>
+                      </a:solidFill>
+                      <a:prstDash val="solid"/>
+                      <a:round/>
+                      <a:headEnd type="none" w="med" len="med"/>
+                      <a:tailEnd type="none" w="med" len="med"/>
+                    </a:lnL>
+                    <a:lnR w="12700" cap="flat" cmpd="sng" algn="ctr">
+                      <a:solidFill>
+                        <a:schemeClr val="tx1"/>
+                      </a:solidFill>
+                      <a:prstDash val="solid"/>
+                      <a:round/>
+                      <a:headEnd type="none" w="med" len="med"/>
+                      <a:tailEnd type="none" w="med" len="med"/>
+                    </a:lnR>
+                    <a:lnT w="12700" cap="flat" cmpd="sng" algn="ctr">
+                      <a:solidFill>
+                        <a:schemeClr val="tx1"/>
+                      </a:solidFill>
+                      <a:prstDash val="solid"/>
+                      <a:round/>
+                      <a:headEnd type="none" w="med" len="med"/>
+                      <a:tailEnd type="none" w="med" len="med"/>
+                    </a:lnT>
+                    <a:lnB w="12700" cap="flat" cmpd="sng" algn="ctr">
+                      <a:solidFill>
+                        <a:schemeClr val="tx1"/>
+                      </a:solidFill>
+                      <a:prstDash val="solid"/>
+                      <a:round/>
+                      <a:headEnd type="none" w="med" len="med"/>
+                      <a:tailEnd type="none" w="med" len="med"/>
+                    </a:lnB>
+                    <a:lnTlToBr w="12700" cmpd="sng">
+                      <a:noFill/>
+                      <a:prstDash val="solid"/>
+                    </a:lnTlToBr>
+                    <a:lnBlToTr w="12700" cmpd="sng">
+                      <a:noFill/>
+                      <a:prstDash val="solid"/>
+                    </a:lnBlToTr>
+                    <a:noFill/>
+                  </a:tcPr>
+                </a:tc>
+              </a:tr>
+            </a:tbl>
+          </a:graphicData>
+        </a:graphic>
+      </p:graphicFrame>
+      <p:sp>
+        <p:nvSpPr>
+          <p:cNvPr id="11" name="Нижний колонтитул 4"/>
+          <p:cNvSpPr>
+            <a:spLocks noGrp="1"/>
+          </p:cNvSpPr>
+          <p:nvPr>
+            <p:ph type="ftr" sz="quarter" idx="11"/>
+          </p:nvPr>
+        </p:nvSpPr>
+        <p:spPr>
+          <a:xfrm>
+            <a:off x="228600" y="6629400"/>
+            <a:ext cx="6172200" cy="228601"/>
+          </a:xfrm>
+        </p:spPr>
+        <p:txBody>
+          <a:bodyPr/>
+          <a:lstStyle/>
+          <a:p>
+            <a:r>
+              <a:rPr lang="en-US" b="1" dirty="0"/>
+              <a:t>ML-course. </a:t>
+            </a:r>
+            <a:r>
+              <a:rPr lang="en-US" dirty="0" smtClean="0"/>
+              <a:t>Classification</a:t>
+            </a:r>
+            <a:endParaRPr lang="ru-RU" dirty="0"/>
+          </a:p>
+        </p:txBody>
+      </p:sp>
+      <p:sp>
+        <p:nvSpPr>
+          <p:cNvPr id="2" name="Прямоугольник 1"/>
+          <p:cNvSpPr/>
+          <p:nvPr/>
+        </p:nvSpPr>
+        <p:spPr>
+          <a:xfrm>
+            <a:off x="532273" y="1413801"/>
+            <a:ext cx="8151282" cy="584775"/>
+          </a:xfrm>
+          <a:prstGeom prst="rect">
+            <a:avLst/>
+          </a:prstGeom>
+        </p:spPr>
+        <p:txBody>
+          <a:bodyPr wrap="square">
+            <a:spAutoFit/>
+          </a:bodyPr>
+          <a:lstStyle/>
+          <a:p>
+            <a:r>
+              <a:rPr lang="en-US" sz="3200" b="1" i="1" dirty="0">
+                <a:latin typeface="Trebuchet MS" panose="020B0603020202020204" pitchFamily="34" charset="0"/>
+              </a:rPr>
+              <a:t>Example: </a:t>
+            </a:r>
+            <a:r>
+              <a:rPr lang="en-US" sz="3200" b="1" i="1" dirty="0" smtClean="0">
+                <a:latin typeface="Trebuchet MS" panose="020B0603020202020204" pitchFamily="34" charset="0"/>
+              </a:rPr>
+              <a:t>models </a:t>
+            </a:r>
+            <a:r>
+              <a:rPr lang="en-US" sz="3200" b="1" i="1" dirty="0">
+                <a:latin typeface="Trebuchet MS" panose="020B0603020202020204" pitchFamily="34" charset="0"/>
+              </a:rPr>
+              <a:t>for </a:t>
+            </a:r>
+            <a:r>
+              <a:rPr lang="en-US" sz="3200" b="1" i="1" dirty="0" smtClean="0">
+                <a:latin typeface="Trebuchet MS" panose="020B0603020202020204" pitchFamily="34" charset="0"/>
+              </a:rPr>
+              <a:t>Champagne </a:t>
+            </a:r>
+            <a:r>
+              <a:rPr lang="en-US" sz="3200" b="1" i="1" dirty="0">
+                <a:latin typeface="Trebuchet MS" panose="020B0603020202020204" pitchFamily="34" charset="0"/>
+              </a:rPr>
+              <a:t>dataset</a:t>
+            </a:r>
+            <a:endParaRPr lang="en-US" sz="3200" b="1" i="1" dirty="0">
+              <a:latin typeface="Trebuchet MS" panose="020B0603020202020204" pitchFamily="34" charset="0"/>
+            </a:endParaRPr>
+          </a:p>
+        </p:txBody>
+      </p:sp>
+    </p:spTree>
+    <p:extLst>
+      <p:ext uri="{BB962C8B-B14F-4D97-AF65-F5344CB8AC3E}">
+        <p14:creationId xmlns:p14="http://schemas.microsoft.com/office/powerpoint/2010/main" val="2021249324"/>
+      </p:ext>
+    </p:extLst>
+  </p:cSld>
+  <p:clrMapOvr>
+    <a:masterClrMapping/>
+  </p:clrMapOvr>
+  <p:timing>
+    <p:tnLst>
+      <p:par>
+        <p:cTn id="1" dur="indefinite" restart="never" nodeType="tmRoot"/>
+      </p:par>
+    </p:tnLst>
+  </p:timing>
+</p:sld>
+</file>
+
+<file path=ppt/slides/slide32.xml><?xml version="1.0" encoding="utf-8"?>
+<p:sld xmlns:a="http://schemas.openxmlformats.org/drawingml/2006/main" xmlns:r="http://schemas.openxmlformats.org/officeDocument/2006/relationships" xmlns:p="http://schemas.openxmlformats.org/presentationml/2006/main">
+  <p:cSld>
+    <p:spTree>
+      <p:nvGrpSpPr>
+        <p:cNvPr id="1" name=""/>
+        <p:cNvGrpSpPr/>
+        <p:nvPr/>
+      </p:nvGrpSpPr>
+      <p:grpSpPr>
+        <a:xfrm>
+          <a:off x="0" y="0"/>
+          <a:ext cx="0" cy="0"/>
+          <a:chOff x="0" y="0"/>
+          <a:chExt cx="0" cy="0"/>
+        </a:xfrm>
+      </p:grpSpPr>
+      <p:sp>
+        <p:nvSpPr>
           <p:cNvPr id="2" name="Заголовок 1"/>
           <p:cNvSpPr>
             <a:spLocks noGrp="1"/>
@@ -15680,7 +17081,7 @@
             <a:fld id="{B491C8E4-965C-47C5-86B5-2FEC2000E3F4}" type="slidenum">
               <a:rPr lang="ru-RU" smtClean="0"/>
               <a:pPr/>
-              <a:t>31</a:t>
+              <a:t>32</a:t>
             </a:fld>
             <a:endParaRPr lang="ru-RU" dirty="0"/>
           </a:p>

--- a/lecture_timeseries/presentation/lecture_timeseries.pptx
+++ b/lecture_timeseries/presentation/lecture_timeseries.pptx
@@ -242,7 +242,7 @@
           <a:p>
             <a:fld id="{8CCD710B-DBEB-48B9-BE37-6CC35DC50D83}" type="datetimeFigureOut">
               <a:rPr lang="ru-RU" smtClean="0"/>
-              <a:t>12.06.2018</a:t>
+              <a:t>08.10.2018</a:t>
             </a:fld>
             <a:endParaRPr lang="ru-RU"/>
           </a:p>
@@ -407,7 +407,7 @@
           <a:p>
             <a:fld id="{599FBC4C-1749-4424-9522-1B6D127EF272}" type="datetimeFigureOut">
               <a:rPr lang="ru-RU" smtClean="0"/>
-              <a:t>12.06.2018</a:t>
+              <a:t>08.10.2018</a:t>
             </a:fld>
             <a:endParaRPr lang="ru-RU" dirty="0"/>
           </a:p>
@@ -5696,7 +5696,7 @@
       </p:sp>
       <p:sp>
         <p:nvSpPr>
-          <p:cNvPr id="7" name="Нижний колонтитул 5"/>
+          <p:cNvPr id="6" name="Нижний колонтитул 5"/>
           <p:cNvSpPr>
             <a:spLocks noGrp="1"/>
           </p:cNvSpPr>
@@ -5707,7 +5707,7 @@
         <p:spPr>
           <a:xfrm>
             <a:off x="228600" y="6629400"/>
-            <a:ext cx="6172200" cy="228601"/>
+            <a:ext cx="7239000" cy="228601"/>
           </a:xfrm>
         </p:spPr>
         <p:txBody>
@@ -5716,15 +5716,19 @@
           <a:p>
             <a:r>
               <a:rPr lang="en-US" b="1" dirty="0"/>
-              <a:t>ML-course.   </a:t>
+              <a:t>TENSOR.BY	</a:t>
+            </a:r>
+            <a:r>
+              <a:rPr lang="en-US" b="1" dirty="0" smtClean="0"/>
+              <a:t>		ML-course</a:t>
+            </a:r>
+            <a:r>
+              <a:rPr lang="en-US" b="1" dirty="0"/>
+              <a:t>.   </a:t>
             </a:r>
             <a:r>
               <a:rPr lang="en-US" b="1" dirty="0" smtClean="0"/>
               <a:t>Forecasting Time Series</a:t>
-            </a:r>
-            <a:r>
-              <a:rPr lang="en-US" dirty="0" smtClean="0"/>
-              <a:t> </a:t>
             </a:r>
             <a:endParaRPr lang="ru-RU" dirty="0"/>
           </a:p>
@@ -5879,7 +5883,7 @@
       </p:sp>
       <p:sp>
         <p:nvSpPr>
-          <p:cNvPr id="7" name="Нижний колонтитул 5"/>
+          <p:cNvPr id="6" name="Нижний колонтитул 5"/>
           <p:cNvSpPr>
             <a:spLocks noGrp="1"/>
           </p:cNvSpPr>
@@ -5890,7 +5894,7 @@
         <p:spPr>
           <a:xfrm>
             <a:off x="228600" y="6629400"/>
-            <a:ext cx="6172200" cy="228601"/>
+            <a:ext cx="7239000" cy="228601"/>
           </a:xfrm>
         </p:spPr>
         <p:txBody>
@@ -5899,15 +5903,19 @@
           <a:p>
             <a:r>
               <a:rPr lang="en-US" b="1" dirty="0"/>
-              <a:t>ML-course.   </a:t>
+              <a:t>TENSOR.BY	</a:t>
+            </a:r>
+            <a:r>
+              <a:rPr lang="en-US" b="1" dirty="0" smtClean="0"/>
+              <a:t>		ML-course</a:t>
+            </a:r>
+            <a:r>
+              <a:rPr lang="en-US" b="1" dirty="0"/>
+              <a:t>.   </a:t>
             </a:r>
             <a:r>
               <a:rPr lang="en-US" b="1" dirty="0" smtClean="0"/>
               <a:t>Forecasting Time Series</a:t>
-            </a:r>
-            <a:r>
-              <a:rPr lang="en-US" dirty="0" smtClean="0"/>
-              <a:t> </a:t>
             </a:r>
             <a:endParaRPr lang="ru-RU" dirty="0"/>
           </a:p>
@@ -6525,7 +6533,7 @@
       </p:sp>
       <p:sp>
         <p:nvSpPr>
-          <p:cNvPr id="7" name="Нижний колонтитул 5"/>
+          <p:cNvPr id="6" name="Нижний колонтитул 5"/>
           <p:cNvSpPr>
             <a:spLocks noGrp="1"/>
           </p:cNvSpPr>
@@ -6536,7 +6544,7 @@
         <p:spPr>
           <a:xfrm>
             <a:off x="228600" y="6629400"/>
-            <a:ext cx="6172200" cy="228601"/>
+            <a:ext cx="7239000" cy="228601"/>
           </a:xfrm>
         </p:spPr>
         <p:txBody>
@@ -6545,15 +6553,19 @@
           <a:p>
             <a:r>
               <a:rPr lang="en-US" b="1" dirty="0"/>
-              <a:t>ML-course.   </a:t>
+              <a:t>TENSOR.BY	</a:t>
+            </a:r>
+            <a:r>
+              <a:rPr lang="en-US" b="1" dirty="0" smtClean="0"/>
+              <a:t>		ML-course</a:t>
+            </a:r>
+            <a:r>
+              <a:rPr lang="en-US" b="1" dirty="0"/>
+              <a:t>.   </a:t>
             </a:r>
             <a:r>
               <a:rPr lang="en-US" b="1" dirty="0" smtClean="0"/>
               <a:t>Forecasting Time Series</a:t>
-            </a:r>
-            <a:r>
-              <a:rPr lang="en-US" dirty="0" smtClean="0"/>
-              <a:t> </a:t>
             </a:r>
             <a:endParaRPr lang="ru-RU" dirty="0"/>
           </a:p>
@@ -6641,42 +6653,6 @@
               <a:pPr/>
               <a:t>13</a:t>
             </a:fld>
-            <a:endParaRPr lang="ru-RU" dirty="0"/>
-          </a:p>
-        </p:txBody>
-      </p:sp>
-      <p:sp>
-        <p:nvSpPr>
-          <p:cNvPr id="7" name="Нижний колонтитул 5"/>
-          <p:cNvSpPr>
-            <a:spLocks noGrp="1"/>
-          </p:cNvSpPr>
-          <p:nvPr>
-            <p:ph type="ftr" sz="quarter" idx="11"/>
-          </p:nvPr>
-        </p:nvSpPr>
-        <p:spPr>
-          <a:xfrm>
-            <a:off x="228600" y="6629400"/>
-            <a:ext cx="6172200" cy="228601"/>
-          </a:xfrm>
-        </p:spPr>
-        <p:txBody>
-          <a:bodyPr/>
-          <a:lstStyle/>
-          <a:p>
-            <a:r>
-              <a:rPr lang="en-US" b="1" dirty="0"/>
-              <a:t>ML-course.   </a:t>
-            </a:r>
-            <a:r>
-              <a:rPr lang="en-US" b="1" dirty="0" smtClean="0"/>
-              <a:t>Forecasting Time Series</a:t>
-            </a:r>
-            <a:r>
-              <a:rPr lang="en-US" dirty="0" smtClean="0"/>
-              <a:t> </a:t>
-            </a:r>
             <a:endParaRPr lang="ru-RU" dirty="0"/>
           </a:p>
         </p:txBody>
@@ -7105,6 +7081,46 @@
           </a:ln>
         </p:spPr>
       </p:pic>
+      <p:sp>
+        <p:nvSpPr>
+          <p:cNvPr id="9" name="Нижний колонтитул 5"/>
+          <p:cNvSpPr>
+            <a:spLocks noGrp="1"/>
+          </p:cNvSpPr>
+          <p:nvPr>
+            <p:ph type="ftr" sz="quarter" idx="11"/>
+          </p:nvPr>
+        </p:nvSpPr>
+        <p:spPr>
+          <a:xfrm>
+            <a:off x="228600" y="6629400"/>
+            <a:ext cx="7239000" cy="228601"/>
+          </a:xfrm>
+        </p:spPr>
+        <p:txBody>
+          <a:bodyPr/>
+          <a:lstStyle/>
+          <a:p>
+            <a:r>
+              <a:rPr lang="en-US" b="1" dirty="0"/>
+              <a:t>TENSOR.BY	</a:t>
+            </a:r>
+            <a:r>
+              <a:rPr lang="en-US" b="1" dirty="0" smtClean="0"/>
+              <a:t>		ML-course</a:t>
+            </a:r>
+            <a:r>
+              <a:rPr lang="en-US" b="1" dirty="0"/>
+              <a:t>.   </a:t>
+            </a:r>
+            <a:r>
+              <a:rPr lang="en-US" b="1" dirty="0" smtClean="0"/>
+              <a:t>Forecasting Time Series</a:t>
+            </a:r>
+            <a:endParaRPr lang="ru-RU" dirty="0"/>
+          </a:p>
+        </p:txBody>
+      </p:sp>
     </p:spTree>
     <p:extLst>
       <p:ext uri="{BB962C8B-B14F-4D97-AF65-F5344CB8AC3E}">
@@ -7191,42 +7207,6 @@
           </a:p>
         </p:txBody>
       </p:sp>
-      <p:sp>
-        <p:nvSpPr>
-          <p:cNvPr id="7" name="Нижний колонтитул 5"/>
-          <p:cNvSpPr>
-            <a:spLocks noGrp="1"/>
-          </p:cNvSpPr>
-          <p:nvPr>
-            <p:ph type="ftr" sz="quarter" idx="11"/>
-          </p:nvPr>
-        </p:nvSpPr>
-        <p:spPr>
-          <a:xfrm>
-            <a:off x="228600" y="6629400"/>
-            <a:ext cx="6172200" cy="228601"/>
-          </a:xfrm>
-        </p:spPr>
-        <p:txBody>
-          <a:bodyPr/>
-          <a:lstStyle/>
-          <a:p>
-            <a:r>
-              <a:rPr lang="en-US" b="1" dirty="0"/>
-              <a:t>ML-course.   </a:t>
-            </a:r>
-            <a:r>
-              <a:rPr lang="en-US" b="1" dirty="0" smtClean="0"/>
-              <a:t>Forecasting Time Series</a:t>
-            </a:r>
-            <a:r>
-              <a:rPr lang="en-US" dirty="0" smtClean="0"/>
-              <a:t> </a:t>
-            </a:r>
-            <a:endParaRPr lang="ru-RU" dirty="0"/>
-          </a:p>
-        </p:txBody>
-      </p:sp>
       <p:pic>
         <p:nvPicPr>
           <p:cNvPr id="8" name="Рисунок 7"/>
@@ -7262,6 +7242,46 @@
           </a:ln>
         </p:spPr>
       </p:pic>
+      <p:sp>
+        <p:nvSpPr>
+          <p:cNvPr id="6" name="Нижний колонтитул 5"/>
+          <p:cNvSpPr>
+            <a:spLocks noGrp="1"/>
+          </p:cNvSpPr>
+          <p:nvPr>
+            <p:ph type="ftr" sz="quarter" idx="11"/>
+          </p:nvPr>
+        </p:nvSpPr>
+        <p:spPr>
+          <a:xfrm>
+            <a:off x="228600" y="6629400"/>
+            <a:ext cx="7239000" cy="228601"/>
+          </a:xfrm>
+        </p:spPr>
+        <p:txBody>
+          <a:bodyPr/>
+          <a:lstStyle/>
+          <a:p>
+            <a:r>
+              <a:rPr lang="en-US" b="1" dirty="0"/>
+              <a:t>TENSOR.BY	</a:t>
+            </a:r>
+            <a:r>
+              <a:rPr lang="en-US" b="1" dirty="0" smtClean="0"/>
+              <a:t>		ML-course</a:t>
+            </a:r>
+            <a:r>
+              <a:rPr lang="en-US" b="1" dirty="0"/>
+              <a:t>.   </a:t>
+            </a:r>
+            <a:r>
+              <a:rPr lang="en-US" b="1" dirty="0" smtClean="0"/>
+              <a:t>Forecasting Time Series</a:t>
+            </a:r>
+            <a:endParaRPr lang="ru-RU" dirty="0"/>
+          </a:p>
+        </p:txBody>
+      </p:sp>
     </p:spTree>
     <p:extLst>
       <p:ext uri="{BB962C8B-B14F-4D97-AF65-F5344CB8AC3E}">
@@ -7441,42 +7461,6 @@
           </a:p>
         </p:txBody>
       </p:sp>
-      <p:sp>
-        <p:nvSpPr>
-          <p:cNvPr id="7" name="Нижний колонтитул 5"/>
-          <p:cNvSpPr>
-            <a:spLocks noGrp="1"/>
-          </p:cNvSpPr>
-          <p:nvPr>
-            <p:ph type="ftr" sz="quarter" idx="11"/>
-          </p:nvPr>
-        </p:nvSpPr>
-        <p:spPr>
-          <a:xfrm>
-            <a:off x="228600" y="6629400"/>
-            <a:ext cx="6172200" cy="228601"/>
-          </a:xfrm>
-        </p:spPr>
-        <p:txBody>
-          <a:bodyPr/>
-          <a:lstStyle/>
-          <a:p>
-            <a:r>
-              <a:rPr lang="en-US" b="1" dirty="0"/>
-              <a:t>ML-course.   </a:t>
-            </a:r>
-            <a:r>
-              <a:rPr lang="en-US" b="1" dirty="0" smtClean="0"/>
-              <a:t>Forecasting Time Series</a:t>
-            </a:r>
-            <a:r>
-              <a:rPr lang="en-US" dirty="0" smtClean="0"/>
-              <a:t> </a:t>
-            </a:r>
-            <a:endParaRPr lang="ru-RU" dirty="0"/>
-          </a:p>
-        </p:txBody>
-      </p:sp>
       <p:pic>
         <p:nvPicPr>
           <p:cNvPr id="5" name="Рисунок 4"/>
@@ -7501,6 +7485,46 @@
           </a:prstGeom>
         </p:spPr>
       </p:pic>
+      <p:sp>
+        <p:nvSpPr>
+          <p:cNvPr id="8" name="Нижний колонтитул 5"/>
+          <p:cNvSpPr>
+            <a:spLocks noGrp="1"/>
+          </p:cNvSpPr>
+          <p:nvPr>
+            <p:ph type="ftr" sz="quarter" idx="11"/>
+          </p:nvPr>
+        </p:nvSpPr>
+        <p:spPr>
+          <a:xfrm>
+            <a:off x="228600" y="6629400"/>
+            <a:ext cx="7239000" cy="228601"/>
+          </a:xfrm>
+        </p:spPr>
+        <p:txBody>
+          <a:bodyPr/>
+          <a:lstStyle/>
+          <a:p>
+            <a:r>
+              <a:rPr lang="en-US" b="1" dirty="0"/>
+              <a:t>TENSOR.BY	</a:t>
+            </a:r>
+            <a:r>
+              <a:rPr lang="en-US" b="1" dirty="0" smtClean="0"/>
+              <a:t>		ML-course</a:t>
+            </a:r>
+            <a:r>
+              <a:rPr lang="en-US" b="1" dirty="0"/>
+              <a:t>.   </a:t>
+            </a:r>
+            <a:r>
+              <a:rPr lang="en-US" b="1" dirty="0" smtClean="0"/>
+              <a:t>Forecasting Time Series</a:t>
+            </a:r>
+            <a:endParaRPr lang="ru-RU" dirty="0"/>
+          </a:p>
+        </p:txBody>
+      </p:sp>
     </p:spTree>
     <p:extLst>
       <p:ext uri="{BB962C8B-B14F-4D97-AF65-F5344CB8AC3E}">
@@ -7681,42 +7705,6 @@
           </a:p>
         </p:txBody>
       </p:sp>
-      <p:sp>
-        <p:nvSpPr>
-          <p:cNvPr id="7" name="Нижний колонтитул 5"/>
-          <p:cNvSpPr>
-            <a:spLocks noGrp="1"/>
-          </p:cNvSpPr>
-          <p:nvPr>
-            <p:ph type="ftr" sz="quarter" idx="11"/>
-          </p:nvPr>
-        </p:nvSpPr>
-        <p:spPr>
-          <a:xfrm>
-            <a:off x="228600" y="6629400"/>
-            <a:ext cx="6172200" cy="228601"/>
-          </a:xfrm>
-        </p:spPr>
-        <p:txBody>
-          <a:bodyPr/>
-          <a:lstStyle/>
-          <a:p>
-            <a:r>
-              <a:rPr lang="en-US" b="1" dirty="0"/>
-              <a:t>ML-course.   </a:t>
-            </a:r>
-            <a:r>
-              <a:rPr lang="en-US" b="1" dirty="0" smtClean="0"/>
-              <a:t>Forecasting Time Series</a:t>
-            </a:r>
-            <a:r>
-              <a:rPr lang="en-US" dirty="0" smtClean="0"/>
-              <a:t> </a:t>
-            </a:r>
-            <a:endParaRPr lang="ru-RU" dirty="0"/>
-          </a:p>
-        </p:txBody>
-      </p:sp>
       <p:pic>
         <p:nvPicPr>
           <p:cNvPr id="9" name="Рисунок 8"/>
@@ -7750,6 +7738,46 @@
           </a:ln>
         </p:spPr>
       </p:pic>
+      <p:sp>
+        <p:nvSpPr>
+          <p:cNvPr id="8" name="Нижний колонтитул 5"/>
+          <p:cNvSpPr>
+            <a:spLocks noGrp="1"/>
+          </p:cNvSpPr>
+          <p:nvPr>
+            <p:ph type="ftr" sz="quarter" idx="11"/>
+          </p:nvPr>
+        </p:nvSpPr>
+        <p:spPr>
+          <a:xfrm>
+            <a:off x="228600" y="6629400"/>
+            <a:ext cx="7239000" cy="228601"/>
+          </a:xfrm>
+        </p:spPr>
+        <p:txBody>
+          <a:bodyPr/>
+          <a:lstStyle/>
+          <a:p>
+            <a:r>
+              <a:rPr lang="en-US" b="1" dirty="0"/>
+              <a:t>TENSOR.BY	</a:t>
+            </a:r>
+            <a:r>
+              <a:rPr lang="en-US" b="1" dirty="0" smtClean="0"/>
+              <a:t>		ML-course</a:t>
+            </a:r>
+            <a:r>
+              <a:rPr lang="en-US" b="1" dirty="0"/>
+              <a:t>.   </a:t>
+            </a:r>
+            <a:r>
+              <a:rPr lang="en-US" b="1" dirty="0" smtClean="0"/>
+              <a:t>Forecasting Time Series</a:t>
+            </a:r>
+            <a:endParaRPr lang="ru-RU" dirty="0"/>
+          </a:p>
+        </p:txBody>
+      </p:sp>
     </p:spTree>
     <p:extLst>
       <p:ext uri="{BB962C8B-B14F-4D97-AF65-F5344CB8AC3E}">
@@ -7941,42 +7969,6 @@
           </a:p>
         </p:txBody>
       </p:sp>
-      <p:sp>
-        <p:nvSpPr>
-          <p:cNvPr id="7" name="Нижний колонтитул 5"/>
-          <p:cNvSpPr>
-            <a:spLocks noGrp="1"/>
-          </p:cNvSpPr>
-          <p:nvPr>
-            <p:ph type="ftr" sz="quarter" idx="11"/>
-          </p:nvPr>
-        </p:nvSpPr>
-        <p:spPr>
-          <a:xfrm>
-            <a:off x="228600" y="6629400"/>
-            <a:ext cx="6172200" cy="228601"/>
-          </a:xfrm>
-        </p:spPr>
-        <p:txBody>
-          <a:bodyPr/>
-          <a:lstStyle/>
-          <a:p>
-            <a:r>
-              <a:rPr lang="en-US" b="1" dirty="0"/>
-              <a:t>ML-course.   </a:t>
-            </a:r>
-            <a:r>
-              <a:rPr lang="en-US" b="1" dirty="0" smtClean="0"/>
-              <a:t>Forecasting Time Series</a:t>
-            </a:r>
-            <a:r>
-              <a:rPr lang="en-US" dirty="0" smtClean="0"/>
-              <a:t> </a:t>
-            </a:r>
-            <a:endParaRPr lang="ru-RU" dirty="0"/>
-          </a:p>
-        </p:txBody>
-      </p:sp>
       <p:pic>
         <p:nvPicPr>
           <p:cNvPr id="8" name="Рисунок 7"/>
@@ -8010,6 +8002,46 @@
           </a:ln>
         </p:spPr>
       </p:pic>
+      <p:sp>
+        <p:nvSpPr>
+          <p:cNvPr id="9" name="Нижний колонтитул 5"/>
+          <p:cNvSpPr>
+            <a:spLocks noGrp="1"/>
+          </p:cNvSpPr>
+          <p:nvPr>
+            <p:ph type="ftr" sz="quarter" idx="11"/>
+          </p:nvPr>
+        </p:nvSpPr>
+        <p:spPr>
+          <a:xfrm>
+            <a:off x="228600" y="6629400"/>
+            <a:ext cx="7239000" cy="228601"/>
+          </a:xfrm>
+        </p:spPr>
+        <p:txBody>
+          <a:bodyPr/>
+          <a:lstStyle/>
+          <a:p>
+            <a:r>
+              <a:rPr lang="en-US" b="1" dirty="0"/>
+              <a:t>TENSOR.BY	</a:t>
+            </a:r>
+            <a:r>
+              <a:rPr lang="en-US" b="1" dirty="0" smtClean="0"/>
+              <a:t>		ML-course</a:t>
+            </a:r>
+            <a:r>
+              <a:rPr lang="en-US" b="1" dirty="0"/>
+              <a:t>.   </a:t>
+            </a:r>
+            <a:r>
+              <a:rPr lang="en-US" b="1" dirty="0" smtClean="0"/>
+              <a:t>Forecasting Time Series</a:t>
+            </a:r>
+            <a:endParaRPr lang="ru-RU" dirty="0"/>
+          </a:p>
+        </p:txBody>
+      </p:sp>
     </p:spTree>
     <p:extLst>
       <p:ext uri="{BB962C8B-B14F-4D97-AF65-F5344CB8AC3E}">
@@ -8096,42 +8128,6 @@
           </a:p>
         </p:txBody>
       </p:sp>
-      <p:sp>
-        <p:nvSpPr>
-          <p:cNvPr id="7" name="Нижний колонтитул 5"/>
-          <p:cNvSpPr>
-            <a:spLocks noGrp="1"/>
-          </p:cNvSpPr>
-          <p:nvPr>
-            <p:ph type="ftr" sz="quarter" idx="11"/>
-          </p:nvPr>
-        </p:nvSpPr>
-        <p:spPr>
-          <a:xfrm>
-            <a:off x="228600" y="6629400"/>
-            <a:ext cx="6172200" cy="228601"/>
-          </a:xfrm>
-        </p:spPr>
-        <p:txBody>
-          <a:bodyPr/>
-          <a:lstStyle/>
-          <a:p>
-            <a:r>
-              <a:rPr lang="en-US" b="1" dirty="0"/>
-              <a:t>ML-course.   </a:t>
-            </a:r>
-            <a:r>
-              <a:rPr lang="en-US" b="1" dirty="0" smtClean="0"/>
-              <a:t>Forecasting Time Series</a:t>
-            </a:r>
-            <a:r>
-              <a:rPr lang="en-US" dirty="0" smtClean="0"/>
-              <a:t> </a:t>
-            </a:r>
-            <a:endParaRPr lang="ru-RU" dirty="0"/>
-          </a:p>
-        </p:txBody>
-      </p:sp>
       <p:pic>
         <p:nvPicPr>
           <p:cNvPr id="6" name="Рисунок 5"/>
@@ -8165,6 +8161,46 @@
           </a:ln>
         </p:spPr>
       </p:pic>
+      <p:sp>
+        <p:nvSpPr>
+          <p:cNvPr id="8" name="Нижний колонтитул 5"/>
+          <p:cNvSpPr>
+            <a:spLocks noGrp="1"/>
+          </p:cNvSpPr>
+          <p:nvPr>
+            <p:ph type="ftr" sz="quarter" idx="11"/>
+          </p:nvPr>
+        </p:nvSpPr>
+        <p:spPr>
+          <a:xfrm>
+            <a:off x="228600" y="6629400"/>
+            <a:ext cx="7239000" cy="228601"/>
+          </a:xfrm>
+        </p:spPr>
+        <p:txBody>
+          <a:bodyPr/>
+          <a:lstStyle/>
+          <a:p>
+            <a:r>
+              <a:rPr lang="en-US" b="1" dirty="0"/>
+              <a:t>TENSOR.BY	</a:t>
+            </a:r>
+            <a:r>
+              <a:rPr lang="en-US" b="1" dirty="0" smtClean="0"/>
+              <a:t>		ML-course</a:t>
+            </a:r>
+            <a:r>
+              <a:rPr lang="en-US" b="1" dirty="0"/>
+              <a:t>.   </a:t>
+            </a:r>
+            <a:r>
+              <a:rPr lang="en-US" b="1" dirty="0" smtClean="0"/>
+              <a:t>Forecasting Time Series</a:t>
+            </a:r>
+            <a:endParaRPr lang="ru-RU" dirty="0"/>
+          </a:p>
+        </p:txBody>
+      </p:sp>
     </p:spTree>
     <p:extLst>
       <p:ext uri="{BB962C8B-B14F-4D97-AF65-F5344CB8AC3E}">
@@ -8492,7 +8528,7 @@
       </p:sp>
       <p:sp>
         <p:nvSpPr>
-          <p:cNvPr id="7" name="Нижний колонтитул 5"/>
+          <p:cNvPr id="6" name="Нижний колонтитул 5"/>
           <p:cNvSpPr>
             <a:spLocks noGrp="1"/>
           </p:cNvSpPr>
@@ -8503,7 +8539,7 @@
         <p:spPr>
           <a:xfrm>
             <a:off x="228600" y="6629400"/>
-            <a:ext cx="6172200" cy="228601"/>
+            <a:ext cx="7239000" cy="228601"/>
           </a:xfrm>
         </p:spPr>
         <p:txBody>
@@ -8512,15 +8548,19 @@
           <a:p>
             <a:r>
               <a:rPr lang="en-US" b="1" dirty="0"/>
-              <a:t>ML-course.   </a:t>
+              <a:t>TENSOR.BY	</a:t>
+            </a:r>
+            <a:r>
+              <a:rPr lang="en-US" b="1" dirty="0" smtClean="0"/>
+              <a:t>		ML-course</a:t>
+            </a:r>
+            <a:r>
+              <a:rPr lang="en-US" b="1" dirty="0"/>
+              <a:t>.   </a:t>
             </a:r>
             <a:r>
               <a:rPr lang="en-US" b="1" dirty="0" smtClean="0"/>
               <a:t>Forecasting Time Series</a:t>
-            </a:r>
-            <a:r>
-              <a:rPr lang="en-US" dirty="0" smtClean="0"/>
-              <a:t> </a:t>
             </a:r>
             <a:endParaRPr lang="ru-RU" dirty="0"/>
           </a:p>
@@ -8703,7 +8743,7 @@
         <p:spPr>
           <a:xfrm>
             <a:off x="228600" y="6629400"/>
-            <a:ext cx="6172200" cy="228601"/>
+            <a:ext cx="7239000" cy="228601"/>
           </a:xfrm>
         </p:spPr>
         <p:txBody>
@@ -8712,7 +8752,15 @@
           <a:p>
             <a:r>
               <a:rPr lang="en-US" b="1" dirty="0"/>
-              <a:t>ML-course.   </a:t>
+              <a:t>TENSOR.BY	</a:t>
+            </a:r>
+            <a:r>
+              <a:rPr lang="en-US" b="1" dirty="0" smtClean="0"/>
+              <a:t>		ML-course</a:t>
+            </a:r>
+            <a:r>
+              <a:rPr lang="en-US" b="1" dirty="0"/>
+              <a:t>.   </a:t>
             </a:r>
             <a:r>
               <a:rPr lang="en-US" b="1" dirty="0" smtClean="0"/>
@@ -8851,8 +8899,8 @@
           </a:p>
         </p:txBody>
       </p:sp>
-      <mc:AlternateContent xmlns:mc="http://schemas.openxmlformats.org/markup-compatibility/2006" xmlns:a14="http://schemas.microsoft.com/office/drawing/2010/main">
-        <mc:Choice Requires="a14">
+      <mc:AlternateContent xmlns:mc="http://schemas.openxmlformats.org/markup-compatibility/2006">
+        <mc:Choice xmlns:a14="http://schemas.microsoft.com/office/drawing/2010/main" Requires="a14">
           <p:sp>
             <p:nvSpPr>
               <p:cNvPr id="3" name="Объект 2"/>
@@ -9681,7 +9729,7 @@
             </p:txBody>
           </p:sp>
         </mc:Choice>
-        <mc:Fallback xmlns="">
+        <mc:Fallback>
           <p:sp>
             <p:nvSpPr>
               <p:cNvPr id="3" name="Объект 2"/>
@@ -9745,7 +9793,7 @@
       </p:sp>
       <p:sp>
         <p:nvSpPr>
-          <p:cNvPr id="7" name="Нижний колонтитул 5"/>
+          <p:cNvPr id="6" name="Нижний колонтитул 5"/>
           <p:cNvSpPr>
             <a:spLocks noGrp="1"/>
           </p:cNvSpPr>
@@ -9756,7 +9804,7 @@
         <p:spPr>
           <a:xfrm>
             <a:off x="228600" y="6629400"/>
-            <a:ext cx="6172200" cy="228601"/>
+            <a:ext cx="7239000" cy="228601"/>
           </a:xfrm>
         </p:spPr>
         <p:txBody>
@@ -9765,15 +9813,19 @@
           <a:p>
             <a:r>
               <a:rPr lang="en-US" b="1" dirty="0"/>
-              <a:t>ML-course.   </a:t>
+              <a:t>TENSOR.BY	</a:t>
+            </a:r>
+            <a:r>
+              <a:rPr lang="en-US" b="1" dirty="0" smtClean="0"/>
+              <a:t>		ML-course</a:t>
+            </a:r>
+            <a:r>
+              <a:rPr lang="en-US" b="1" dirty="0"/>
+              <a:t>.   </a:t>
             </a:r>
             <a:r>
               <a:rPr lang="en-US" b="1" dirty="0" smtClean="0"/>
               <a:t>Forecasting Time Series</a:t>
-            </a:r>
-            <a:r>
-              <a:rPr lang="en-US" dirty="0" smtClean="0"/>
-              <a:t> </a:t>
             </a:r>
             <a:endParaRPr lang="ru-RU" dirty="0"/>
           </a:p>
@@ -9893,42 +9945,6 @@
           </a:p>
         </p:txBody>
       </p:sp>
-      <p:sp>
-        <p:nvSpPr>
-          <p:cNvPr id="7" name="Нижний колонтитул 5"/>
-          <p:cNvSpPr>
-            <a:spLocks noGrp="1"/>
-          </p:cNvSpPr>
-          <p:nvPr>
-            <p:ph type="ftr" sz="quarter" idx="11"/>
-          </p:nvPr>
-        </p:nvSpPr>
-        <p:spPr>
-          <a:xfrm>
-            <a:off x="228600" y="6629400"/>
-            <a:ext cx="6172200" cy="228601"/>
-          </a:xfrm>
-        </p:spPr>
-        <p:txBody>
-          <a:bodyPr/>
-          <a:lstStyle/>
-          <a:p>
-            <a:r>
-              <a:rPr lang="en-US" b="1" dirty="0"/>
-              <a:t>ML-course.   </a:t>
-            </a:r>
-            <a:r>
-              <a:rPr lang="en-US" b="1" dirty="0" smtClean="0"/>
-              <a:t>Forecasting Time Series</a:t>
-            </a:r>
-            <a:r>
-              <a:rPr lang="en-US" dirty="0" smtClean="0"/>
-              <a:t> </a:t>
-            </a:r>
-            <a:endParaRPr lang="ru-RU" dirty="0"/>
-          </a:p>
-        </p:txBody>
-      </p:sp>
       <p:pic>
         <p:nvPicPr>
           <p:cNvPr id="8" name="Рисунок 7"/>
@@ -9966,6 +9982,46 @@
           </a:ln>
         </p:spPr>
       </p:pic>
+      <p:sp>
+        <p:nvSpPr>
+          <p:cNvPr id="6" name="Нижний колонтитул 5"/>
+          <p:cNvSpPr>
+            <a:spLocks noGrp="1"/>
+          </p:cNvSpPr>
+          <p:nvPr>
+            <p:ph type="ftr" sz="quarter" idx="11"/>
+          </p:nvPr>
+        </p:nvSpPr>
+        <p:spPr>
+          <a:xfrm>
+            <a:off x="228600" y="6629400"/>
+            <a:ext cx="7239000" cy="228601"/>
+          </a:xfrm>
+        </p:spPr>
+        <p:txBody>
+          <a:bodyPr/>
+          <a:lstStyle/>
+          <a:p>
+            <a:r>
+              <a:rPr lang="en-US" b="1" dirty="0"/>
+              <a:t>TENSOR.BY	</a:t>
+            </a:r>
+            <a:r>
+              <a:rPr lang="en-US" b="1" dirty="0" smtClean="0"/>
+              <a:t>		ML-course</a:t>
+            </a:r>
+            <a:r>
+              <a:rPr lang="en-US" b="1" dirty="0"/>
+              <a:t>.   </a:t>
+            </a:r>
+            <a:r>
+              <a:rPr lang="en-US" b="1" dirty="0" smtClean="0"/>
+              <a:t>Forecasting Time Series</a:t>
+            </a:r>
+            <a:endParaRPr lang="ru-RU" dirty="0"/>
+          </a:p>
+        </p:txBody>
+      </p:sp>
     </p:spTree>
     <p:extLst>
       <p:ext uri="{BB962C8B-B14F-4D97-AF65-F5344CB8AC3E}">
@@ -11091,7 +11147,7 @@
       </p:sp>
       <p:sp>
         <p:nvSpPr>
-          <p:cNvPr id="7" name="Нижний колонтитул 5"/>
+          <p:cNvPr id="6" name="Нижний колонтитул 5"/>
           <p:cNvSpPr>
             <a:spLocks noGrp="1"/>
           </p:cNvSpPr>
@@ -11102,7 +11158,7 @@
         <p:spPr>
           <a:xfrm>
             <a:off x="228600" y="6629400"/>
-            <a:ext cx="6172200" cy="228601"/>
+            <a:ext cx="7239000" cy="228601"/>
           </a:xfrm>
         </p:spPr>
         <p:txBody>
@@ -11111,15 +11167,19 @@
           <a:p>
             <a:r>
               <a:rPr lang="en-US" b="1" dirty="0"/>
-              <a:t>ML-course.   </a:t>
+              <a:t>TENSOR.BY	</a:t>
+            </a:r>
+            <a:r>
+              <a:rPr lang="en-US" b="1" dirty="0" smtClean="0"/>
+              <a:t>		ML-course</a:t>
+            </a:r>
+            <a:r>
+              <a:rPr lang="en-US" b="1" dirty="0"/>
+              <a:t>.   </a:t>
             </a:r>
             <a:r>
               <a:rPr lang="en-US" b="1" dirty="0" smtClean="0"/>
               <a:t>Forecasting Time Series</a:t>
-            </a:r>
-            <a:r>
-              <a:rPr lang="en-US" dirty="0" smtClean="0"/>
-              <a:t> </a:t>
             </a:r>
             <a:endParaRPr lang="ru-RU" dirty="0"/>
           </a:p>
@@ -11247,42 +11307,6 @@
           </a:p>
         </p:txBody>
       </p:sp>
-      <p:sp>
-        <p:nvSpPr>
-          <p:cNvPr id="7" name="Нижний колонтитул 5"/>
-          <p:cNvSpPr>
-            <a:spLocks noGrp="1"/>
-          </p:cNvSpPr>
-          <p:nvPr>
-            <p:ph type="ftr" sz="quarter" idx="11"/>
-          </p:nvPr>
-        </p:nvSpPr>
-        <p:spPr>
-          <a:xfrm>
-            <a:off x="228600" y="6629400"/>
-            <a:ext cx="6172200" cy="228601"/>
-          </a:xfrm>
-        </p:spPr>
-        <p:txBody>
-          <a:bodyPr/>
-          <a:lstStyle/>
-          <a:p>
-            <a:r>
-              <a:rPr lang="en-US" b="1" dirty="0"/>
-              <a:t>ML-course.   </a:t>
-            </a:r>
-            <a:r>
-              <a:rPr lang="en-US" b="1" dirty="0" smtClean="0"/>
-              <a:t>Forecasting Time Series</a:t>
-            </a:r>
-            <a:r>
-              <a:rPr lang="en-US" dirty="0" smtClean="0"/>
-              <a:t> </a:t>
-            </a:r>
-            <a:endParaRPr lang="ru-RU" dirty="0"/>
-          </a:p>
-        </p:txBody>
-      </p:sp>
       <p:pic>
         <p:nvPicPr>
           <p:cNvPr id="6" name="Рисунок 5"/>
@@ -11320,6 +11344,46 @@
           </a:ln>
         </p:spPr>
       </p:pic>
+      <p:sp>
+        <p:nvSpPr>
+          <p:cNvPr id="8" name="Нижний колонтитул 5"/>
+          <p:cNvSpPr>
+            <a:spLocks noGrp="1"/>
+          </p:cNvSpPr>
+          <p:nvPr>
+            <p:ph type="ftr" sz="quarter" idx="11"/>
+          </p:nvPr>
+        </p:nvSpPr>
+        <p:spPr>
+          <a:xfrm>
+            <a:off x="228600" y="6629400"/>
+            <a:ext cx="7239000" cy="228601"/>
+          </a:xfrm>
+        </p:spPr>
+        <p:txBody>
+          <a:bodyPr/>
+          <a:lstStyle/>
+          <a:p>
+            <a:r>
+              <a:rPr lang="en-US" b="1" dirty="0"/>
+              <a:t>TENSOR.BY	</a:t>
+            </a:r>
+            <a:r>
+              <a:rPr lang="en-US" b="1" dirty="0" smtClean="0"/>
+              <a:t>		ML-course</a:t>
+            </a:r>
+            <a:r>
+              <a:rPr lang="en-US" b="1" dirty="0"/>
+              <a:t>.   </a:t>
+            </a:r>
+            <a:r>
+              <a:rPr lang="en-US" b="1" dirty="0" smtClean="0"/>
+              <a:t>Forecasting Time Series</a:t>
+            </a:r>
+            <a:endParaRPr lang="ru-RU" dirty="0"/>
+          </a:p>
+        </p:txBody>
+      </p:sp>
     </p:spTree>
     <p:extLst>
       <p:ext uri="{BB962C8B-B14F-4D97-AF65-F5344CB8AC3E}">
@@ -12260,7 +12324,7 @@
       </p:sp>
       <p:sp>
         <p:nvSpPr>
-          <p:cNvPr id="7" name="Нижний колонтитул 5"/>
+          <p:cNvPr id="6" name="Нижний колонтитул 5"/>
           <p:cNvSpPr>
             <a:spLocks noGrp="1"/>
           </p:cNvSpPr>
@@ -12271,7 +12335,7 @@
         <p:spPr>
           <a:xfrm>
             <a:off x="228600" y="6629400"/>
-            <a:ext cx="6172200" cy="228601"/>
+            <a:ext cx="7239000" cy="228601"/>
           </a:xfrm>
         </p:spPr>
         <p:txBody>
@@ -12280,15 +12344,19 @@
           <a:p>
             <a:r>
               <a:rPr lang="en-US" b="1" dirty="0"/>
-              <a:t>ML-course.   </a:t>
+              <a:t>TENSOR.BY	</a:t>
+            </a:r>
+            <a:r>
+              <a:rPr lang="en-US" b="1" dirty="0" smtClean="0"/>
+              <a:t>		ML-course</a:t>
+            </a:r>
+            <a:r>
+              <a:rPr lang="en-US" b="1" dirty="0"/>
+              <a:t>.   </a:t>
             </a:r>
             <a:r>
               <a:rPr lang="en-US" b="1" dirty="0" smtClean="0"/>
               <a:t>Forecasting Time Series</a:t>
-            </a:r>
-            <a:r>
-              <a:rPr lang="en-US" dirty="0" smtClean="0"/>
-              <a:t> </a:t>
             </a:r>
             <a:endParaRPr lang="ru-RU" dirty="0"/>
           </a:p>
@@ -12397,42 +12465,6 @@
           </a:p>
         </p:txBody>
       </p:sp>
-      <p:sp>
-        <p:nvSpPr>
-          <p:cNvPr id="7" name="Нижний колонтитул 5"/>
-          <p:cNvSpPr>
-            <a:spLocks noGrp="1"/>
-          </p:cNvSpPr>
-          <p:nvPr>
-            <p:ph type="ftr" sz="quarter" idx="11"/>
-          </p:nvPr>
-        </p:nvSpPr>
-        <p:spPr>
-          <a:xfrm>
-            <a:off x="228600" y="6629400"/>
-            <a:ext cx="6172200" cy="228601"/>
-          </a:xfrm>
-        </p:spPr>
-        <p:txBody>
-          <a:bodyPr/>
-          <a:lstStyle/>
-          <a:p>
-            <a:r>
-              <a:rPr lang="en-US" b="1" dirty="0"/>
-              <a:t>ML-course.   </a:t>
-            </a:r>
-            <a:r>
-              <a:rPr lang="en-US" b="1" dirty="0" smtClean="0"/>
-              <a:t>Forecasting Time Series</a:t>
-            </a:r>
-            <a:r>
-              <a:rPr lang="en-US" dirty="0" smtClean="0"/>
-              <a:t> </a:t>
-            </a:r>
-            <a:endParaRPr lang="ru-RU" dirty="0"/>
-          </a:p>
-        </p:txBody>
-      </p:sp>
       <p:pic>
         <p:nvPicPr>
           <p:cNvPr id="8" name="Рисунок 7"/>
@@ -12470,6 +12502,46 @@
           </a:ln>
         </p:spPr>
       </p:pic>
+      <p:sp>
+        <p:nvSpPr>
+          <p:cNvPr id="6" name="Нижний колонтитул 5"/>
+          <p:cNvSpPr>
+            <a:spLocks noGrp="1"/>
+          </p:cNvSpPr>
+          <p:nvPr>
+            <p:ph type="ftr" sz="quarter" idx="11"/>
+          </p:nvPr>
+        </p:nvSpPr>
+        <p:spPr>
+          <a:xfrm>
+            <a:off x="228600" y="6629400"/>
+            <a:ext cx="7239000" cy="228601"/>
+          </a:xfrm>
+        </p:spPr>
+        <p:txBody>
+          <a:bodyPr/>
+          <a:lstStyle/>
+          <a:p>
+            <a:r>
+              <a:rPr lang="en-US" b="1" dirty="0"/>
+              <a:t>TENSOR.BY	</a:t>
+            </a:r>
+            <a:r>
+              <a:rPr lang="en-US" b="1" dirty="0" smtClean="0"/>
+              <a:t>		ML-course</a:t>
+            </a:r>
+            <a:r>
+              <a:rPr lang="en-US" b="1" dirty="0"/>
+              <a:t>.   </a:t>
+            </a:r>
+            <a:r>
+              <a:rPr lang="en-US" b="1" dirty="0" smtClean="0"/>
+              <a:t>Forecasting Time Series</a:t>
+            </a:r>
+            <a:endParaRPr lang="ru-RU" dirty="0"/>
+          </a:p>
+        </p:txBody>
+      </p:sp>
     </p:spTree>
     <p:extLst>
       <p:ext uri="{BB962C8B-B14F-4D97-AF65-F5344CB8AC3E}">
@@ -12565,42 +12637,6 @@
               <a:pPr/>
               <a:t>26</a:t>
             </a:fld>
-            <a:endParaRPr lang="ru-RU" dirty="0"/>
-          </a:p>
-        </p:txBody>
-      </p:sp>
-      <p:sp>
-        <p:nvSpPr>
-          <p:cNvPr id="7" name="Нижний колонтитул 5"/>
-          <p:cNvSpPr>
-            <a:spLocks noGrp="1"/>
-          </p:cNvSpPr>
-          <p:nvPr>
-            <p:ph type="ftr" sz="quarter" idx="11"/>
-          </p:nvPr>
-        </p:nvSpPr>
-        <p:spPr>
-          <a:xfrm>
-            <a:off x="228600" y="6629400"/>
-            <a:ext cx="6172200" cy="228601"/>
-          </a:xfrm>
-        </p:spPr>
-        <p:txBody>
-          <a:bodyPr/>
-          <a:lstStyle/>
-          <a:p>
-            <a:r>
-              <a:rPr lang="en-US" b="1" dirty="0"/>
-              <a:t>ML-course.   </a:t>
-            </a:r>
-            <a:r>
-              <a:rPr lang="en-US" b="1" dirty="0" smtClean="0"/>
-              <a:t>Forecasting Time Series</a:t>
-            </a:r>
-            <a:r>
-              <a:rPr lang="en-US" dirty="0" smtClean="0"/>
-              <a:t> </a:t>
-            </a:r>
             <a:endParaRPr lang="ru-RU" dirty="0"/>
           </a:p>
         </p:txBody>
@@ -12908,6 +12944,46 @@
           </a:graphicData>
         </a:graphic>
       </p:graphicFrame>
+      <p:sp>
+        <p:nvSpPr>
+          <p:cNvPr id="6" name="Нижний колонтитул 5"/>
+          <p:cNvSpPr>
+            <a:spLocks noGrp="1"/>
+          </p:cNvSpPr>
+          <p:nvPr>
+            <p:ph type="ftr" sz="quarter" idx="11"/>
+          </p:nvPr>
+        </p:nvSpPr>
+        <p:spPr>
+          <a:xfrm>
+            <a:off x="228600" y="6629400"/>
+            <a:ext cx="7239000" cy="228601"/>
+          </a:xfrm>
+        </p:spPr>
+        <p:txBody>
+          <a:bodyPr/>
+          <a:lstStyle/>
+          <a:p>
+            <a:r>
+              <a:rPr lang="en-US" b="1" dirty="0"/>
+              <a:t>TENSOR.BY	</a:t>
+            </a:r>
+            <a:r>
+              <a:rPr lang="en-US" b="1" dirty="0" smtClean="0"/>
+              <a:t>		ML-course</a:t>
+            </a:r>
+            <a:r>
+              <a:rPr lang="en-US" b="1" dirty="0"/>
+              <a:t>.   </a:t>
+            </a:r>
+            <a:r>
+              <a:rPr lang="en-US" b="1" dirty="0" smtClean="0"/>
+              <a:t>Forecasting Time Series</a:t>
+            </a:r>
+            <a:endParaRPr lang="ru-RU" dirty="0"/>
+          </a:p>
+        </p:txBody>
+      </p:sp>
     </p:spTree>
     <p:extLst>
       <p:ext uri="{BB962C8B-B14F-4D97-AF65-F5344CB8AC3E}">
@@ -13569,7 +13645,7 @@
       </p:sp>
       <p:sp>
         <p:nvSpPr>
-          <p:cNvPr id="7" name="Нижний колонтитул 5"/>
+          <p:cNvPr id="6" name="Нижний колонтитул 5"/>
           <p:cNvSpPr>
             <a:spLocks noGrp="1"/>
           </p:cNvSpPr>
@@ -13580,7 +13656,7 @@
         <p:spPr>
           <a:xfrm>
             <a:off x="228600" y="6629400"/>
-            <a:ext cx="6172200" cy="228601"/>
+            <a:ext cx="7239000" cy="228601"/>
           </a:xfrm>
         </p:spPr>
         <p:txBody>
@@ -13589,15 +13665,19 @@
           <a:p>
             <a:r>
               <a:rPr lang="en-US" b="1" dirty="0"/>
-              <a:t>ML-course.   </a:t>
+              <a:t>TENSOR.BY	</a:t>
+            </a:r>
+            <a:r>
+              <a:rPr lang="en-US" b="1" dirty="0" smtClean="0"/>
+              <a:t>		ML-course</a:t>
+            </a:r>
+            <a:r>
+              <a:rPr lang="en-US" b="1" dirty="0"/>
+              <a:t>.   </a:t>
             </a:r>
             <a:r>
               <a:rPr lang="en-US" b="1" dirty="0" smtClean="0"/>
               <a:t>Forecasting Time Series</a:t>
-            </a:r>
-            <a:r>
-              <a:rPr lang="en-US" dirty="0" smtClean="0"/>
-              <a:t> </a:t>
             </a:r>
             <a:endParaRPr lang="ru-RU" dirty="0"/>
           </a:p>
@@ -13786,7 +13866,7 @@
       </p:sp>
       <p:sp>
         <p:nvSpPr>
-          <p:cNvPr id="7" name="Нижний колонтитул 5"/>
+          <p:cNvPr id="6" name="Нижний колонтитул 5"/>
           <p:cNvSpPr>
             <a:spLocks noGrp="1"/>
           </p:cNvSpPr>
@@ -13797,7 +13877,7 @@
         <p:spPr>
           <a:xfrm>
             <a:off x="228600" y="6629400"/>
-            <a:ext cx="6172200" cy="228601"/>
+            <a:ext cx="7239000" cy="228601"/>
           </a:xfrm>
         </p:spPr>
         <p:txBody>
@@ -13806,15 +13886,19 @@
           <a:p>
             <a:r>
               <a:rPr lang="en-US" b="1" dirty="0"/>
-              <a:t>ML-course.   </a:t>
+              <a:t>TENSOR.BY	</a:t>
+            </a:r>
+            <a:r>
+              <a:rPr lang="en-US" b="1" dirty="0" smtClean="0"/>
+              <a:t>		ML-course</a:t>
+            </a:r>
+            <a:r>
+              <a:rPr lang="en-US" b="1" dirty="0"/>
+              <a:t>.   </a:t>
             </a:r>
             <a:r>
               <a:rPr lang="en-US" b="1" dirty="0" smtClean="0"/>
               <a:t>Forecasting Time Series</a:t>
-            </a:r>
-            <a:r>
-              <a:rPr lang="en-US" dirty="0" smtClean="0"/>
-              <a:t> </a:t>
             </a:r>
             <a:endParaRPr lang="ru-RU" dirty="0"/>
           </a:p>
@@ -14903,7 +14987,7 @@
       </p:sp>
       <p:sp>
         <p:nvSpPr>
-          <p:cNvPr id="7" name="Нижний колонтитул 5"/>
+          <p:cNvPr id="6" name="Нижний колонтитул 5"/>
           <p:cNvSpPr>
             <a:spLocks noGrp="1"/>
           </p:cNvSpPr>
@@ -14914,7 +14998,7 @@
         <p:spPr>
           <a:xfrm>
             <a:off x="228600" y="6629400"/>
-            <a:ext cx="6172200" cy="228601"/>
+            <a:ext cx="7239000" cy="228601"/>
           </a:xfrm>
         </p:spPr>
         <p:txBody>
@@ -14923,15 +15007,19 @@
           <a:p>
             <a:r>
               <a:rPr lang="en-US" b="1" dirty="0"/>
-              <a:t>ML-course.   </a:t>
+              <a:t>TENSOR.BY	</a:t>
+            </a:r>
+            <a:r>
+              <a:rPr lang="en-US" b="1" dirty="0" smtClean="0"/>
+              <a:t>		ML-course</a:t>
+            </a:r>
+            <a:r>
+              <a:rPr lang="en-US" b="1" dirty="0"/>
+              <a:t>.   </a:t>
             </a:r>
             <a:r>
               <a:rPr lang="en-US" b="1" dirty="0" smtClean="0"/>
               <a:t>Forecasting Time Series</a:t>
-            </a:r>
-            <a:r>
-              <a:rPr lang="en-US" dirty="0" smtClean="0"/>
-              <a:t> </a:t>
             </a:r>
             <a:endParaRPr lang="ru-RU" dirty="0"/>
           </a:p>
@@ -15169,7 +15257,7 @@
       </p:pic>
       <p:sp>
         <p:nvSpPr>
-          <p:cNvPr id="7" name="Нижний колонтитул 4"/>
+          <p:cNvPr id="8" name="Нижний колонтитул 5"/>
           <p:cNvSpPr>
             <a:spLocks noGrp="1"/>
           </p:cNvSpPr>
@@ -15180,7 +15268,7 @@
         <p:spPr>
           <a:xfrm>
             <a:off x="228600" y="6629400"/>
-            <a:ext cx="6172200" cy="228601"/>
+            <a:ext cx="7239000" cy="228601"/>
           </a:xfrm>
         </p:spPr>
         <p:txBody>
@@ -15189,11 +15277,19 @@
           <a:p>
             <a:r>
               <a:rPr lang="en-US" b="1" dirty="0"/>
-              <a:t>ML-course. </a:t>
-            </a:r>
-            <a:r>
-              <a:rPr lang="en-US" dirty="0" smtClean="0"/>
-              <a:t>Classification</a:t>
+              <a:t>TENSOR.BY	</a:t>
+            </a:r>
+            <a:r>
+              <a:rPr lang="en-US" b="1" dirty="0" smtClean="0"/>
+              <a:t>		ML-course</a:t>
+            </a:r>
+            <a:r>
+              <a:rPr lang="en-US" b="1" dirty="0"/>
+              <a:t>.   </a:t>
+            </a:r>
+            <a:r>
+              <a:rPr lang="en-US" b="1" dirty="0" smtClean="0"/>
+              <a:t>Forecasting Time Series</a:t>
             </a:r>
             <a:endParaRPr lang="ru-RU" dirty="0"/>
           </a:p>
@@ -15505,7 +15601,7 @@
       </p:sp>
       <p:sp>
         <p:nvSpPr>
-          <p:cNvPr id="7" name="Нижний колонтитул 5"/>
+          <p:cNvPr id="6" name="Нижний колонтитул 5"/>
           <p:cNvSpPr>
             <a:spLocks noGrp="1"/>
           </p:cNvSpPr>
@@ -15516,7 +15612,7 @@
         <p:spPr>
           <a:xfrm>
             <a:off x="228600" y="6629400"/>
-            <a:ext cx="6172200" cy="228601"/>
+            <a:ext cx="7239000" cy="228601"/>
           </a:xfrm>
         </p:spPr>
         <p:txBody>
@@ -15525,15 +15621,19 @@
           <a:p>
             <a:r>
               <a:rPr lang="en-US" b="1" dirty="0"/>
-              <a:t>ML-course.   </a:t>
+              <a:t>TENSOR.BY	</a:t>
+            </a:r>
+            <a:r>
+              <a:rPr lang="en-US" b="1" dirty="0" smtClean="0"/>
+              <a:t>		ML-course</a:t>
+            </a:r>
+            <a:r>
+              <a:rPr lang="en-US" b="1" dirty="0"/>
+              <a:t>.   </a:t>
             </a:r>
             <a:r>
               <a:rPr lang="en-US" b="1" dirty="0" smtClean="0"/>
               <a:t>Forecasting Time Series</a:t>
-            </a:r>
-            <a:r>
-              <a:rPr lang="en-US" dirty="0" smtClean="0"/>
-              <a:t> </a:t>
             </a:r>
             <a:endParaRPr lang="ru-RU" dirty="0"/>
           </a:p>
@@ -16856,38 +16956,6 @@
       </p:graphicFrame>
       <p:sp>
         <p:nvSpPr>
-          <p:cNvPr id="11" name="Нижний колонтитул 4"/>
-          <p:cNvSpPr>
-            <a:spLocks noGrp="1"/>
-          </p:cNvSpPr>
-          <p:nvPr>
-            <p:ph type="ftr" sz="quarter" idx="11"/>
-          </p:nvPr>
-        </p:nvSpPr>
-        <p:spPr>
-          <a:xfrm>
-            <a:off x="228600" y="6629400"/>
-            <a:ext cx="6172200" cy="228601"/>
-          </a:xfrm>
-        </p:spPr>
-        <p:txBody>
-          <a:bodyPr/>
-          <a:lstStyle/>
-          <a:p>
-            <a:r>
-              <a:rPr lang="en-US" b="1" dirty="0"/>
-              <a:t>ML-course. </a:t>
-            </a:r>
-            <a:r>
-              <a:rPr lang="en-US" dirty="0" smtClean="0"/>
-              <a:t>Classification</a:t>
-            </a:r>
-            <a:endParaRPr lang="ru-RU" dirty="0"/>
-          </a:p>
-        </p:txBody>
-      </p:sp>
-      <p:sp>
-        <p:nvSpPr>
           <p:cNvPr id="2" name="Прямоугольник 1"/>
           <p:cNvSpPr/>
           <p:nvPr/>
@@ -16937,9 +17005,46 @@
               </a:rPr>
               <a:t>dataset</a:t>
             </a:r>
-            <a:endParaRPr lang="en-US" sz="3200" b="1" i="1" dirty="0">
-              <a:latin typeface="Trebuchet MS" panose="020B0603020202020204" pitchFamily="34" charset="0"/>
-            </a:endParaRPr>
+          </a:p>
+        </p:txBody>
+      </p:sp>
+      <p:sp>
+        <p:nvSpPr>
+          <p:cNvPr id="10" name="Нижний колонтитул 5"/>
+          <p:cNvSpPr>
+            <a:spLocks noGrp="1"/>
+          </p:cNvSpPr>
+          <p:nvPr>
+            <p:ph type="ftr" sz="quarter" idx="11"/>
+          </p:nvPr>
+        </p:nvSpPr>
+        <p:spPr>
+          <a:xfrm>
+            <a:off x="228600" y="6629400"/>
+            <a:ext cx="7239000" cy="228601"/>
+          </a:xfrm>
+        </p:spPr>
+        <p:txBody>
+          <a:bodyPr/>
+          <a:lstStyle/>
+          <a:p>
+            <a:r>
+              <a:rPr lang="en-US" b="1" dirty="0"/>
+              <a:t>TENSOR.BY	</a:t>
+            </a:r>
+            <a:r>
+              <a:rPr lang="en-US" b="1" dirty="0" smtClean="0"/>
+              <a:t>		ML-course</a:t>
+            </a:r>
+            <a:r>
+              <a:rPr lang="en-US" b="1" dirty="0"/>
+              <a:t>.   </a:t>
+            </a:r>
+            <a:r>
+              <a:rPr lang="en-US" b="1" dirty="0" smtClean="0"/>
+              <a:t>Forecasting Time Series</a:t>
+            </a:r>
+            <a:endParaRPr lang="ru-RU" dirty="0"/>
           </a:p>
         </p:txBody>
       </p:sp>
@@ -17037,29 +17142,6 @@
       </p:sp>
       <p:sp>
         <p:nvSpPr>
-          <p:cNvPr id="5" name="Нижний колонтитул 4"/>
-          <p:cNvSpPr>
-            <a:spLocks noGrp="1"/>
-          </p:cNvSpPr>
-          <p:nvPr>
-            <p:ph type="ftr" sz="quarter" idx="11"/>
-          </p:nvPr>
-        </p:nvSpPr>
-        <p:spPr/>
-        <p:txBody>
-          <a:bodyPr/>
-          <a:lstStyle/>
-          <a:p>
-            <a:r>
-              <a:rPr lang="en-US" b="1" dirty="0"/>
-              <a:t>ML-course.   Forecasting Time Series</a:t>
-            </a:r>
-            <a:endParaRPr lang="ru-RU" dirty="0"/>
-          </a:p>
-        </p:txBody>
-      </p:sp>
-      <p:sp>
-        <p:nvSpPr>
           <p:cNvPr id="4" name="Номер слайда 3"/>
           <p:cNvSpPr>
             <a:spLocks noGrp="1"/>
@@ -17083,6 +17165,46 @@
               <a:pPr/>
               <a:t>32</a:t>
             </a:fld>
+            <a:endParaRPr lang="ru-RU" dirty="0"/>
+          </a:p>
+        </p:txBody>
+      </p:sp>
+      <p:sp>
+        <p:nvSpPr>
+          <p:cNvPr id="6" name="Нижний колонтитул 5"/>
+          <p:cNvSpPr>
+            <a:spLocks noGrp="1"/>
+          </p:cNvSpPr>
+          <p:nvPr>
+            <p:ph type="ftr" sz="quarter" idx="11"/>
+          </p:nvPr>
+        </p:nvSpPr>
+        <p:spPr>
+          <a:xfrm>
+            <a:off x="228600" y="6629400"/>
+            <a:ext cx="7239000" cy="228601"/>
+          </a:xfrm>
+        </p:spPr>
+        <p:txBody>
+          <a:bodyPr/>
+          <a:lstStyle/>
+          <a:p>
+            <a:r>
+              <a:rPr lang="en-US" b="1" dirty="0"/>
+              <a:t>TENSOR.BY	</a:t>
+            </a:r>
+            <a:r>
+              <a:rPr lang="en-US" b="1" dirty="0" smtClean="0"/>
+              <a:t>		ML-course</a:t>
+            </a:r>
+            <a:r>
+              <a:rPr lang="en-US" b="1" dirty="0"/>
+              <a:t>.   </a:t>
+            </a:r>
+            <a:r>
+              <a:rPr lang="en-US" b="1" dirty="0" smtClean="0"/>
+              <a:t>Forecasting Time Series</a:t>
+            </a:r>
             <a:endParaRPr lang="ru-RU" dirty="0"/>
           </a:p>
         </p:txBody>
@@ -17218,42 +17340,6 @@
           </a:p>
         </p:txBody>
       </p:sp>
-      <p:sp>
-        <p:nvSpPr>
-          <p:cNvPr id="9" name="Нижний колонтитул 5"/>
-          <p:cNvSpPr>
-            <a:spLocks noGrp="1"/>
-          </p:cNvSpPr>
-          <p:nvPr>
-            <p:ph type="ftr" sz="quarter" idx="11"/>
-          </p:nvPr>
-        </p:nvSpPr>
-        <p:spPr>
-          <a:xfrm>
-            <a:off x="228600" y="6629400"/>
-            <a:ext cx="6172200" cy="228601"/>
-          </a:xfrm>
-        </p:spPr>
-        <p:txBody>
-          <a:bodyPr/>
-          <a:lstStyle/>
-          <a:p>
-            <a:r>
-              <a:rPr lang="en-US" b="1" dirty="0"/>
-              <a:t>ML-course.   </a:t>
-            </a:r>
-            <a:r>
-              <a:rPr lang="en-US" b="1" dirty="0" smtClean="0"/>
-              <a:t>Forecasting Time Series</a:t>
-            </a:r>
-            <a:r>
-              <a:rPr lang="en-US" dirty="0" smtClean="0"/>
-              <a:t> </a:t>
-            </a:r>
-            <a:endParaRPr lang="ru-RU" dirty="0"/>
-          </a:p>
-        </p:txBody>
-      </p:sp>
       <p:pic>
         <p:nvPicPr>
           <p:cNvPr id="3" name="Рисунок 2"/>
@@ -17278,6 +17364,46 @@
           </a:prstGeom>
         </p:spPr>
       </p:pic>
+      <p:sp>
+        <p:nvSpPr>
+          <p:cNvPr id="8" name="Нижний колонтитул 5"/>
+          <p:cNvSpPr>
+            <a:spLocks noGrp="1"/>
+          </p:cNvSpPr>
+          <p:nvPr>
+            <p:ph type="ftr" sz="quarter" idx="11"/>
+          </p:nvPr>
+        </p:nvSpPr>
+        <p:spPr>
+          <a:xfrm>
+            <a:off x="228600" y="6629400"/>
+            <a:ext cx="7239000" cy="228601"/>
+          </a:xfrm>
+        </p:spPr>
+        <p:txBody>
+          <a:bodyPr/>
+          <a:lstStyle/>
+          <a:p>
+            <a:r>
+              <a:rPr lang="en-US" b="1" dirty="0"/>
+              <a:t>TENSOR.BY	</a:t>
+            </a:r>
+            <a:r>
+              <a:rPr lang="en-US" b="1" dirty="0" smtClean="0"/>
+              <a:t>		ML-course</a:t>
+            </a:r>
+            <a:r>
+              <a:rPr lang="en-US" b="1" dirty="0"/>
+              <a:t>.   </a:t>
+            </a:r>
+            <a:r>
+              <a:rPr lang="en-US" b="1" dirty="0" smtClean="0"/>
+              <a:t>Forecasting Time Series</a:t>
+            </a:r>
+            <a:endParaRPr lang="ru-RU" dirty="0"/>
+          </a:p>
+        </p:txBody>
+      </p:sp>
     </p:spTree>
     <p:extLst>
       <p:ext uri="{BB962C8B-B14F-4D97-AF65-F5344CB8AC3E}">
@@ -17420,42 +17546,6 @@
           </a:p>
         </p:txBody>
       </p:sp>
-      <p:sp>
-        <p:nvSpPr>
-          <p:cNvPr id="7" name="Нижний колонтитул 5"/>
-          <p:cNvSpPr>
-            <a:spLocks noGrp="1"/>
-          </p:cNvSpPr>
-          <p:nvPr>
-            <p:ph type="ftr" sz="quarter" idx="11"/>
-          </p:nvPr>
-        </p:nvSpPr>
-        <p:spPr>
-          <a:xfrm>
-            <a:off x="228600" y="6629400"/>
-            <a:ext cx="6172200" cy="228601"/>
-          </a:xfrm>
-        </p:spPr>
-        <p:txBody>
-          <a:bodyPr/>
-          <a:lstStyle/>
-          <a:p>
-            <a:r>
-              <a:rPr lang="en-US" b="1" dirty="0"/>
-              <a:t>ML-course.   </a:t>
-            </a:r>
-            <a:r>
-              <a:rPr lang="en-US" b="1" dirty="0" smtClean="0"/>
-              <a:t>Forecasting Time Series</a:t>
-            </a:r>
-            <a:r>
-              <a:rPr lang="en-US" dirty="0" smtClean="0"/>
-              <a:t> </a:t>
-            </a:r>
-            <a:endParaRPr lang="ru-RU" dirty="0"/>
-          </a:p>
-        </p:txBody>
-      </p:sp>
       <p:pic>
         <p:nvPicPr>
           <p:cNvPr id="5" name="Рисунок 4"/>
@@ -17602,6 +17692,46 @@
               <a:t>tock</a:t>
             </a:r>
             <a:endParaRPr lang="ru-RU" sz="1600" b="1" dirty="0"/>
+          </a:p>
+        </p:txBody>
+      </p:sp>
+      <p:sp>
+        <p:nvSpPr>
+          <p:cNvPr id="10" name="Нижний колонтитул 5"/>
+          <p:cNvSpPr>
+            <a:spLocks noGrp="1"/>
+          </p:cNvSpPr>
+          <p:nvPr>
+            <p:ph type="ftr" sz="quarter" idx="11"/>
+          </p:nvPr>
+        </p:nvSpPr>
+        <p:spPr>
+          <a:xfrm>
+            <a:off x="228600" y="6629400"/>
+            <a:ext cx="7239000" cy="228601"/>
+          </a:xfrm>
+        </p:spPr>
+        <p:txBody>
+          <a:bodyPr/>
+          <a:lstStyle/>
+          <a:p>
+            <a:r>
+              <a:rPr lang="en-US" b="1" dirty="0"/>
+              <a:t>TENSOR.BY	</a:t>
+            </a:r>
+            <a:r>
+              <a:rPr lang="en-US" b="1" dirty="0" smtClean="0"/>
+              <a:t>		ML-course</a:t>
+            </a:r>
+            <a:r>
+              <a:rPr lang="en-US" b="1" dirty="0"/>
+              <a:t>.   </a:t>
+            </a:r>
+            <a:r>
+              <a:rPr lang="en-US" b="1" dirty="0" smtClean="0"/>
+              <a:t>Forecasting Time Series</a:t>
+            </a:r>
+            <a:endParaRPr lang="ru-RU" dirty="0"/>
           </a:p>
         </p:txBody>
       </p:sp>
@@ -17901,7 +18031,7 @@
       </p:sp>
       <p:sp>
         <p:nvSpPr>
-          <p:cNvPr id="7" name="Нижний колонтитул 5"/>
+          <p:cNvPr id="6" name="Нижний колонтитул 5"/>
           <p:cNvSpPr>
             <a:spLocks noGrp="1"/>
           </p:cNvSpPr>
@@ -17912,7 +18042,7 @@
         <p:spPr>
           <a:xfrm>
             <a:off x="228600" y="6629400"/>
-            <a:ext cx="6172200" cy="228601"/>
+            <a:ext cx="7239000" cy="228601"/>
           </a:xfrm>
         </p:spPr>
         <p:txBody>
@@ -17921,15 +18051,19 @@
           <a:p>
             <a:r>
               <a:rPr lang="en-US" b="1" dirty="0"/>
-              <a:t>ML-course.   </a:t>
+              <a:t>TENSOR.BY	</a:t>
+            </a:r>
+            <a:r>
+              <a:rPr lang="en-US" b="1" dirty="0" smtClean="0"/>
+              <a:t>		ML-course</a:t>
+            </a:r>
+            <a:r>
+              <a:rPr lang="en-US" b="1" dirty="0"/>
+              <a:t>.   </a:t>
             </a:r>
             <a:r>
               <a:rPr lang="en-US" b="1" dirty="0" smtClean="0"/>
               <a:t>Forecasting Time Series</a:t>
-            </a:r>
-            <a:r>
-              <a:rPr lang="en-US" dirty="0" smtClean="0"/>
-              <a:t> </a:t>
             </a:r>
             <a:endParaRPr lang="ru-RU" dirty="0"/>
           </a:p>
@@ -18124,7 +18258,7 @@
       </p:sp>
       <p:sp>
         <p:nvSpPr>
-          <p:cNvPr id="7" name="Нижний колонтитул 5"/>
+          <p:cNvPr id="6" name="Нижний колонтитул 5"/>
           <p:cNvSpPr>
             <a:spLocks noGrp="1"/>
           </p:cNvSpPr>
@@ -18135,7 +18269,7 @@
         <p:spPr>
           <a:xfrm>
             <a:off x="228600" y="6629400"/>
-            <a:ext cx="6172200" cy="228601"/>
+            <a:ext cx="7239000" cy="228601"/>
           </a:xfrm>
         </p:spPr>
         <p:txBody>
@@ -18144,15 +18278,19 @@
           <a:p>
             <a:r>
               <a:rPr lang="en-US" b="1" dirty="0"/>
-              <a:t>ML-course.   </a:t>
+              <a:t>TENSOR.BY	</a:t>
+            </a:r>
+            <a:r>
+              <a:rPr lang="en-US" b="1" dirty="0" smtClean="0"/>
+              <a:t>		ML-course</a:t>
+            </a:r>
+            <a:r>
+              <a:rPr lang="en-US" b="1" dirty="0"/>
+              <a:t>.   </a:t>
             </a:r>
             <a:r>
               <a:rPr lang="en-US" b="1" dirty="0" smtClean="0"/>
               <a:t>Forecasting Time Series</a:t>
-            </a:r>
-            <a:r>
-              <a:rPr lang="en-US" dirty="0" smtClean="0"/>
-              <a:t> </a:t>
             </a:r>
             <a:endParaRPr lang="ru-RU" dirty="0"/>
           </a:p>
@@ -18215,29 +18353,6 @@
               <a:pPr/>
               <a:t>8</a:t>
             </a:fld>
-            <a:endParaRPr lang="ru-RU" dirty="0"/>
-          </a:p>
-        </p:txBody>
-      </p:sp>
-      <p:sp>
-        <p:nvSpPr>
-          <p:cNvPr id="5" name="Нижний колонтитул 4"/>
-          <p:cNvSpPr>
-            <a:spLocks noGrp="1"/>
-          </p:cNvSpPr>
-          <p:nvPr>
-            <p:ph type="ftr" sz="quarter" idx="11"/>
-          </p:nvPr>
-        </p:nvSpPr>
-        <p:spPr/>
-        <p:txBody>
-          <a:bodyPr/>
-          <a:lstStyle/>
-          <a:p>
-            <a:r>
-              <a:rPr lang="en-US" smtClean="0"/>
-              <a:t>Big Data User Group Meetup #22, 24.01.2017</a:t>
-            </a:r>
             <a:endParaRPr lang="ru-RU" dirty="0"/>
           </a:p>
         </p:txBody>
@@ -18335,6 +18450,46 @@
               <a:rPr lang="ru-RU" dirty="0"/>
               <a:t>» (с.108)</a:t>
             </a:r>
+          </a:p>
+        </p:txBody>
+      </p:sp>
+      <p:sp>
+        <p:nvSpPr>
+          <p:cNvPr id="8" name="Нижний колонтитул 5"/>
+          <p:cNvSpPr>
+            <a:spLocks noGrp="1"/>
+          </p:cNvSpPr>
+          <p:nvPr>
+            <p:ph type="ftr" sz="quarter" idx="11"/>
+          </p:nvPr>
+        </p:nvSpPr>
+        <p:spPr>
+          <a:xfrm>
+            <a:off x="228600" y="6629400"/>
+            <a:ext cx="7239000" cy="228601"/>
+          </a:xfrm>
+        </p:spPr>
+        <p:txBody>
+          <a:bodyPr/>
+          <a:lstStyle/>
+          <a:p>
+            <a:r>
+              <a:rPr lang="en-US" b="1" dirty="0"/>
+              <a:t>TENSOR.BY	</a:t>
+            </a:r>
+            <a:r>
+              <a:rPr lang="en-US" b="1" dirty="0" smtClean="0"/>
+              <a:t>		ML-course</a:t>
+            </a:r>
+            <a:r>
+              <a:rPr lang="en-US" b="1" dirty="0"/>
+              <a:t>.   </a:t>
+            </a:r>
+            <a:r>
+              <a:rPr lang="en-US" b="1" dirty="0" smtClean="0"/>
+              <a:t>Forecasting Time Series</a:t>
+            </a:r>
+            <a:endParaRPr lang="ru-RU" dirty="0"/>
           </a:p>
         </p:txBody>
       </p:sp>
@@ -18753,7 +18908,7 @@
       </p:sp>
       <p:sp>
         <p:nvSpPr>
-          <p:cNvPr id="7" name="Нижний колонтитул 5"/>
+          <p:cNvPr id="6" name="Нижний колонтитул 5"/>
           <p:cNvSpPr>
             <a:spLocks noGrp="1"/>
           </p:cNvSpPr>
@@ -18764,7 +18919,7 @@
         <p:spPr>
           <a:xfrm>
             <a:off x="228600" y="6629400"/>
-            <a:ext cx="6172200" cy="228601"/>
+            <a:ext cx="7239000" cy="228601"/>
           </a:xfrm>
         </p:spPr>
         <p:txBody>
@@ -18773,15 +18928,19 @@
           <a:p>
             <a:r>
               <a:rPr lang="en-US" b="1" dirty="0"/>
-              <a:t>ML-course.   </a:t>
+              <a:t>TENSOR.BY	</a:t>
+            </a:r>
+            <a:r>
+              <a:rPr lang="en-US" b="1" dirty="0" smtClean="0"/>
+              <a:t>		ML-course</a:t>
+            </a:r>
+            <a:r>
+              <a:rPr lang="en-US" b="1" dirty="0"/>
+              <a:t>.   </a:t>
             </a:r>
             <a:r>
               <a:rPr lang="en-US" b="1" dirty="0" smtClean="0"/>
               <a:t>Forecasting Time Series</a:t>
-            </a:r>
-            <a:r>
-              <a:rPr lang="en-US" dirty="0" smtClean="0"/>
-              <a:t> </a:t>
             </a:r>
             <a:endParaRPr lang="ru-RU" dirty="0"/>
           </a:p>
